--- a/Technical_Report/Tech Report Figures.pptx
+++ b/Technical_Report/Tech Report Figures.pptx
@@ -5,10 +5,11 @@
     <p:sldMasterId id="2147483648" r:id="rId1"/>
   </p:sldMasterIdLst>
   <p:notesMasterIdLst>
-    <p:notesMasterId r:id="rId3"/>
+    <p:notesMasterId r:id="rId4"/>
   </p:notesMasterIdLst>
   <p:sldIdLst>
     <p:sldId id="798" r:id="rId2"/>
+    <p:sldId id="799" r:id="rId3"/>
   </p:sldIdLst>
   <p:sldSz cx="12192000" cy="6858000"/>
   <p:notesSz cx="6858000" cy="9144000"/>
@@ -197,7 +198,7 @@
           <a:p>
             <a:fld id="{9CDAC4D7-AC2B-4B96-A23C-9757BCC47876}" type="datetimeFigureOut">
               <a:rPr lang="en-US" smtClean="0"/>
-              <a:t>10/3/2023</a:t>
+              <a:t>1/29/2024</a:t>
             </a:fld>
             <a:endParaRPr lang="en-US"/>
           </a:p>
@@ -611,7 +612,7 @@
           <a:p>
             <a:fld id="{D8191CED-6AB1-44FE-A838-8EDD6EE5B6A0}" type="datetimeFigureOut">
               <a:rPr lang="en-US" smtClean="0"/>
-              <a:t>10/3/2023</a:t>
+              <a:t>1/29/2024</a:t>
             </a:fld>
             <a:endParaRPr lang="en-US"/>
           </a:p>
@@ -809,7 +810,7 @@
           <a:p>
             <a:fld id="{D8191CED-6AB1-44FE-A838-8EDD6EE5B6A0}" type="datetimeFigureOut">
               <a:rPr lang="en-US" smtClean="0"/>
-              <a:t>10/3/2023</a:t>
+              <a:t>1/29/2024</a:t>
             </a:fld>
             <a:endParaRPr lang="en-US"/>
           </a:p>
@@ -1017,7 +1018,7 @@
           <a:p>
             <a:fld id="{D8191CED-6AB1-44FE-A838-8EDD6EE5B6A0}" type="datetimeFigureOut">
               <a:rPr lang="en-US" smtClean="0"/>
-              <a:t>10/3/2023</a:t>
+              <a:t>1/29/2024</a:t>
             </a:fld>
             <a:endParaRPr lang="en-US"/>
           </a:p>
@@ -1215,7 +1216,7 @@
           <a:p>
             <a:fld id="{D8191CED-6AB1-44FE-A838-8EDD6EE5B6A0}" type="datetimeFigureOut">
               <a:rPr lang="en-US" smtClean="0"/>
-              <a:t>10/3/2023</a:t>
+              <a:t>1/29/2024</a:t>
             </a:fld>
             <a:endParaRPr lang="en-US"/>
           </a:p>
@@ -1490,7 +1491,7 @@
           <a:p>
             <a:fld id="{D8191CED-6AB1-44FE-A838-8EDD6EE5B6A0}" type="datetimeFigureOut">
               <a:rPr lang="en-US" smtClean="0"/>
-              <a:t>10/3/2023</a:t>
+              <a:t>1/29/2024</a:t>
             </a:fld>
             <a:endParaRPr lang="en-US"/>
           </a:p>
@@ -1755,7 +1756,7 @@
           <a:p>
             <a:fld id="{D8191CED-6AB1-44FE-A838-8EDD6EE5B6A0}" type="datetimeFigureOut">
               <a:rPr lang="en-US" smtClean="0"/>
-              <a:t>10/3/2023</a:t>
+              <a:t>1/29/2024</a:t>
             </a:fld>
             <a:endParaRPr lang="en-US"/>
           </a:p>
@@ -2167,7 +2168,7 @@
           <a:p>
             <a:fld id="{D8191CED-6AB1-44FE-A838-8EDD6EE5B6A0}" type="datetimeFigureOut">
               <a:rPr lang="en-US" smtClean="0"/>
-              <a:t>10/3/2023</a:t>
+              <a:t>1/29/2024</a:t>
             </a:fld>
             <a:endParaRPr lang="en-US"/>
           </a:p>
@@ -2308,7 +2309,7 @@
           <a:p>
             <a:fld id="{D8191CED-6AB1-44FE-A838-8EDD6EE5B6A0}" type="datetimeFigureOut">
               <a:rPr lang="en-US" smtClean="0"/>
-              <a:t>10/3/2023</a:t>
+              <a:t>1/29/2024</a:t>
             </a:fld>
             <a:endParaRPr lang="en-US"/>
           </a:p>
@@ -2421,7 +2422,7 @@
           <a:p>
             <a:fld id="{D8191CED-6AB1-44FE-A838-8EDD6EE5B6A0}" type="datetimeFigureOut">
               <a:rPr lang="en-US" smtClean="0"/>
-              <a:t>10/3/2023</a:t>
+              <a:t>1/29/2024</a:t>
             </a:fld>
             <a:endParaRPr lang="en-US"/>
           </a:p>
@@ -2732,7 +2733,7 @@
           <a:p>
             <a:fld id="{D8191CED-6AB1-44FE-A838-8EDD6EE5B6A0}" type="datetimeFigureOut">
               <a:rPr lang="en-US" smtClean="0"/>
-              <a:t>10/3/2023</a:t>
+              <a:t>1/29/2024</a:t>
             </a:fld>
             <a:endParaRPr lang="en-US"/>
           </a:p>
@@ -3020,7 +3021,7 @@
           <a:p>
             <a:fld id="{D8191CED-6AB1-44FE-A838-8EDD6EE5B6A0}" type="datetimeFigureOut">
               <a:rPr lang="en-US" smtClean="0"/>
-              <a:t>10/3/2023</a:t>
+              <a:t>1/29/2024</a:t>
             </a:fld>
             <a:endParaRPr lang="en-US"/>
           </a:p>
@@ -3261,7 +3262,7 @@
           <a:p>
             <a:fld id="{D8191CED-6AB1-44FE-A838-8EDD6EE5B6A0}" type="datetimeFigureOut">
               <a:rPr lang="en-US" smtClean="0"/>
-              <a:t>10/3/2023</a:t>
+              <a:t>1/29/2024</a:t>
             </a:fld>
             <a:endParaRPr lang="en-US"/>
           </a:p>
@@ -3680,148 +3681,10 @@
       </p:grpSpPr>
       <p:pic>
         <p:nvPicPr>
-          <p:cNvPr id="9" name="Picture 56">
-            <a:extLst>
-              <a:ext uri="{FF2B5EF4-FFF2-40B4-BE49-F238E27FC236}">
-                <a16:creationId xmlns:a16="http://schemas.microsoft.com/office/drawing/2014/main" id="{F904A8E1-C5C1-4B87-970D-1F77C17A6FCD}"/>
-              </a:ext>
-            </a:extLst>
-          </p:cNvPr>
-          <p:cNvPicPr>
-            <a:picLocks noChangeAspect="1" noChangeArrowheads="1"/>
-          </p:cNvPicPr>
-          <p:nvPr/>
-        </p:nvPicPr>
-        <p:blipFill>
-          <a:blip r:embed="rId2" cstate="print">
-            <a:lum bright="-22000" contrast="54000"/>
-            <a:extLst>
-              <a:ext uri="{28A0092B-C50C-407E-A947-70E740481C1C}">
-                <a14:useLocalDpi xmlns:a14="http://schemas.microsoft.com/office/drawing/2010/main" val="0"/>
-              </a:ext>
-            </a:extLst>
-          </a:blip>
-          <a:srcRect/>
-          <a:stretch>
-            <a:fillRect/>
-          </a:stretch>
-        </p:blipFill>
-        <p:spPr bwMode="auto">
-          <a:xfrm flipH="1">
-            <a:off x="6885265" y="7281725"/>
-            <a:ext cx="310180" cy="310180"/>
-          </a:xfrm>
-          <a:prstGeom prst="rect">
-            <a:avLst/>
-          </a:prstGeom>
-          <a:noFill/>
-          <a:ln w="9525">
-            <a:noFill/>
-            <a:miter lim="800000"/>
-            <a:headEnd/>
-            <a:tailEnd/>
-          </a:ln>
-          <a:effectLst/>
-        </p:spPr>
-      </p:pic>
-      <p:pic>
-        <p:nvPicPr>
-          <p:cNvPr id="11" name="Picture 56">
-            <a:extLst>
-              <a:ext uri="{FF2B5EF4-FFF2-40B4-BE49-F238E27FC236}">
-                <a16:creationId xmlns:a16="http://schemas.microsoft.com/office/drawing/2014/main" id="{EEAF45E4-5169-4E5D-B6AD-C42DE1709593}"/>
-              </a:ext>
-            </a:extLst>
-          </p:cNvPr>
-          <p:cNvPicPr>
-            <a:picLocks noChangeAspect="1" noChangeArrowheads="1"/>
-          </p:cNvPicPr>
-          <p:nvPr/>
-        </p:nvPicPr>
-        <p:blipFill>
-          <a:blip r:embed="rId2" cstate="print">
-            <a:lum bright="-22000" contrast="54000"/>
-            <a:extLst>
-              <a:ext uri="{28A0092B-C50C-407E-A947-70E740481C1C}">
-                <a14:useLocalDpi xmlns:a14="http://schemas.microsoft.com/office/drawing/2010/main" val="0"/>
-              </a:ext>
-            </a:extLst>
-          </a:blip>
-          <a:srcRect/>
-          <a:stretch>
-            <a:fillRect/>
-          </a:stretch>
-        </p:blipFill>
-        <p:spPr bwMode="auto">
-          <a:xfrm rot="2797868" flipH="1">
-            <a:off x="7195445" y="7302038"/>
-            <a:ext cx="310180" cy="310180"/>
-          </a:xfrm>
-          <a:prstGeom prst="rect">
-            <a:avLst/>
-          </a:prstGeom>
-          <a:noFill/>
-          <a:ln w="9525">
-            <a:noFill/>
-            <a:miter lim="800000"/>
-            <a:headEnd/>
-            <a:tailEnd/>
-          </a:ln>
-          <a:effectLst/>
-        </p:spPr>
-      </p:pic>
-      <p:pic>
-        <p:nvPicPr>
-          <p:cNvPr id="12" name="Picture 56">
-            <a:extLst>
-              <a:ext uri="{FF2B5EF4-FFF2-40B4-BE49-F238E27FC236}">
-                <a16:creationId xmlns:a16="http://schemas.microsoft.com/office/drawing/2014/main" id="{2A3D300D-F359-4D0D-8C6E-8A1981C72321}"/>
-              </a:ext>
-            </a:extLst>
-          </p:cNvPr>
-          <p:cNvPicPr>
-            <a:picLocks noChangeAspect="1" noChangeArrowheads="1"/>
-          </p:cNvPicPr>
-          <p:nvPr/>
-        </p:nvPicPr>
-        <p:blipFill>
-          <a:blip r:embed="rId2" cstate="print">
-            <a:lum bright="-22000" contrast="54000"/>
-            <a:extLst>
-              <a:ext uri="{28A0092B-C50C-407E-A947-70E740481C1C}">
-                <a14:useLocalDpi xmlns:a14="http://schemas.microsoft.com/office/drawing/2010/main" val="0"/>
-              </a:ext>
-            </a:extLst>
-          </a:blip>
-          <a:srcRect/>
-          <a:stretch>
-            <a:fillRect/>
-          </a:stretch>
-        </p:blipFill>
-        <p:spPr bwMode="auto">
-          <a:xfrm rot="18444580" flipH="1">
-            <a:off x="7431020" y="7146948"/>
-            <a:ext cx="310180" cy="310180"/>
-          </a:xfrm>
-          <a:prstGeom prst="rect">
-            <a:avLst/>
-          </a:prstGeom>
-          <a:noFill/>
-          <a:ln w="9525">
-            <a:noFill/>
-            <a:miter lim="800000"/>
-            <a:headEnd/>
-            <a:tailEnd/>
-          </a:ln>
-          <a:effectLst/>
-        </p:spPr>
-      </p:pic>
-      <p:pic>
-        <p:nvPicPr>
-          <p:cNvPr id="258" name="Picture 257">
-            <a:extLst>
-              <a:ext uri="{FF2B5EF4-FFF2-40B4-BE49-F238E27FC236}">
-                <a16:creationId xmlns:a16="http://schemas.microsoft.com/office/drawing/2014/main" id="{C1239180-93DF-4D30-9344-C55D9B098F44}"/>
+          <p:cNvPr id="4" name="Picture 3">
+            <a:extLst>
+              <a:ext uri="{FF2B5EF4-FFF2-40B4-BE49-F238E27FC236}">
+                <a16:creationId xmlns:a16="http://schemas.microsoft.com/office/drawing/2014/main" id="{C5D53AE3-4706-481E-AE25-EA6BF9E11E25}"/>
               </a:ext>
             </a:extLst>
           </p:cNvPr>
@@ -3831,97 +3694,342 @@
           <p:nvPr/>
         </p:nvPicPr>
         <p:blipFill>
-          <a:blip r:embed="rId3"/>
+          <a:blip r:embed="rId2"/>
           <a:stretch>
             <a:fillRect/>
           </a:stretch>
         </p:blipFill>
         <p:spPr>
           <a:xfrm>
-            <a:off x="7643656" y="7702870"/>
-            <a:ext cx="195089" cy="207282"/>
+            <a:off x="-9128642" y="1985399"/>
+            <a:ext cx="29674515" cy="23387140"/>
           </a:xfrm>
           <a:prstGeom prst="rect">
             <a:avLst/>
           </a:prstGeom>
         </p:spPr>
       </p:pic>
-      <p:pic>
-        <p:nvPicPr>
-          <p:cNvPr id="259" name="Picture 258">
-            <a:extLst>
-              <a:ext uri="{FF2B5EF4-FFF2-40B4-BE49-F238E27FC236}">
-                <a16:creationId xmlns:a16="http://schemas.microsoft.com/office/drawing/2014/main" id="{3421A988-6CF5-451B-BD47-B16850C1D2B8}"/>
-              </a:ext>
-            </a:extLst>
-          </p:cNvPr>
-          <p:cNvPicPr>
-            <a:picLocks noChangeAspect="1"/>
-          </p:cNvPicPr>
+      <p:grpSp>
+        <p:nvGrpSpPr>
+          <p:cNvPr id="6" name="Group 5">
+            <a:extLst>
+              <a:ext uri="{FF2B5EF4-FFF2-40B4-BE49-F238E27FC236}">
+                <a16:creationId xmlns:a16="http://schemas.microsoft.com/office/drawing/2014/main" id="{D2D748C8-E1C2-4A33-9FF6-CE4D0D610D76}"/>
+              </a:ext>
+            </a:extLst>
+          </p:cNvPr>
+          <p:cNvGrpSpPr/>
           <p:nvPr/>
-        </p:nvPicPr>
-        <p:blipFill>
-          <a:blip r:embed="rId3"/>
-          <a:stretch>
-            <a:fillRect/>
-          </a:stretch>
-        </p:blipFill>
-        <p:spPr>
+        </p:nvGrpSpPr>
+        <p:grpSpPr>
           <a:xfrm>
-            <a:off x="7059357" y="7725986"/>
-            <a:ext cx="195089" cy="207282"/>
+            <a:off x="-3783489" y="1693012"/>
+            <a:ext cx="19899789" cy="7137449"/>
+            <a:chOff x="-3783489" y="1693012"/>
+            <a:chExt cx="19899789" cy="7137449"/>
           </a:xfrm>
-          <a:prstGeom prst="rect">
-            <a:avLst/>
-          </a:prstGeom>
-        </p:spPr>
-      </p:pic>
-      <p:pic>
-        <p:nvPicPr>
-          <p:cNvPr id="260" name="Picture 56">
-            <a:extLst>
-              <a:ext uri="{FF2B5EF4-FFF2-40B4-BE49-F238E27FC236}">
-                <a16:creationId xmlns:a16="http://schemas.microsoft.com/office/drawing/2014/main" id="{DBAF88C4-093A-40EB-8F44-BB8B11192157}"/>
-              </a:ext>
-            </a:extLst>
-          </p:cNvPr>
-          <p:cNvPicPr>
-            <a:picLocks noChangeAspect="1" noChangeArrowheads="1"/>
-          </p:cNvPicPr>
-          <p:nvPr/>
-        </p:nvPicPr>
-        <p:blipFill>
-          <a:blip r:embed="rId2" cstate="print">
-            <a:lum bright="-22000" contrast="54000"/>
-            <a:extLst>
-              <a:ext uri="{28A0092B-C50C-407E-A947-70E740481C1C}">
-                <a14:useLocalDpi xmlns:a14="http://schemas.microsoft.com/office/drawing/2010/main" val="0"/>
-              </a:ext>
-            </a:extLst>
-          </a:blip>
-          <a:srcRect/>
-          <a:stretch>
-            <a:fillRect/>
-          </a:stretch>
-        </p:blipFill>
-        <p:spPr bwMode="auto">
-          <a:xfrm rot="6118498" flipH="1">
-            <a:off x="7347845" y="7454438"/>
-            <a:ext cx="310180" cy="310180"/>
-          </a:xfrm>
-          <a:prstGeom prst="rect">
-            <a:avLst/>
-          </a:prstGeom>
-          <a:noFill/>
-          <a:ln w="9525">
-            <a:noFill/>
-            <a:miter lim="800000"/>
-            <a:headEnd/>
-            <a:tailEnd/>
-          </a:ln>
-          <a:effectLst/>
-        </p:spPr>
-      </p:pic>
+        </p:grpSpPr>
+        <p:grpSp>
+          <p:nvGrpSpPr>
+            <p:cNvPr id="5" name="Group 4">
+              <a:extLst>
+                <a:ext uri="{FF2B5EF4-FFF2-40B4-BE49-F238E27FC236}">
+                  <a16:creationId xmlns:a16="http://schemas.microsoft.com/office/drawing/2014/main" id="{5DC5C4B6-3B7A-4BE2-AD6B-186EBFE15F33}"/>
+                </a:ext>
+              </a:extLst>
+            </p:cNvPr>
+            <p:cNvGrpSpPr/>
+            <p:nvPr/>
+          </p:nvGrpSpPr>
+          <p:grpSpPr>
+            <a:xfrm>
+              <a:off x="-3783489" y="1693794"/>
+              <a:ext cx="10892286" cy="7136667"/>
+              <a:chOff x="-3783489" y="1693794"/>
+              <a:chExt cx="10892286" cy="7136667"/>
+            </a:xfrm>
+          </p:grpSpPr>
+          <p:sp>
+            <p:nvSpPr>
+              <p:cNvPr id="2" name="TextBox 1">
+                <a:extLst>
+                  <a:ext uri="{FF2B5EF4-FFF2-40B4-BE49-F238E27FC236}">
+                    <a16:creationId xmlns:a16="http://schemas.microsoft.com/office/drawing/2014/main" id="{ACB2D128-BAC9-4B49-B265-7C9FCB42D743}"/>
+                  </a:ext>
+                </a:extLst>
+              </p:cNvPr>
+              <p:cNvSpPr txBox="1"/>
+              <p:nvPr/>
+            </p:nvSpPr>
+            <p:spPr>
+              <a:xfrm>
+                <a:off x="-3783489" y="1693794"/>
+                <a:ext cx="8591006" cy="2554545"/>
+              </a:xfrm>
+              <a:prstGeom prst="rect">
+                <a:avLst/>
+              </a:prstGeom>
+              <a:noFill/>
+            </p:spPr>
+            <p:txBody>
+              <a:bodyPr wrap="none" rtlCol="0">
+                <a:spAutoFit/>
+              </a:bodyPr>
+              <a:lstStyle/>
+              <a:p>
+                <a:r>
+                  <a:rPr lang="en-US" sz="16000" dirty="0"/>
+                  <a:t>Coagulant</a:t>
+                </a:r>
+              </a:p>
+            </p:txBody>
+          </p:sp>
+          <p:sp>
+            <p:nvSpPr>
+              <p:cNvPr id="3" name="TextBox 2">
+                <a:extLst>
+                  <a:ext uri="{FF2B5EF4-FFF2-40B4-BE49-F238E27FC236}">
+                    <a16:creationId xmlns:a16="http://schemas.microsoft.com/office/drawing/2014/main" id="{3D2077E6-8AB0-478D-A141-90F91394178B}"/>
+                  </a:ext>
+                </a:extLst>
+              </p:cNvPr>
+              <p:cNvSpPr txBox="1"/>
+              <p:nvPr/>
+            </p:nvSpPr>
+            <p:spPr>
+              <a:xfrm>
+                <a:off x="-3581400" y="4583144"/>
+                <a:ext cx="4545960" cy="4247317"/>
+              </a:xfrm>
+              <a:prstGeom prst="rect">
+                <a:avLst/>
+              </a:prstGeom>
+              <a:noFill/>
+            </p:spPr>
+            <p:txBody>
+              <a:bodyPr wrap="square" rtlCol="0">
+                <a:spAutoFit/>
+              </a:bodyPr>
+              <a:lstStyle/>
+              <a:p>
+                <a:pPr algn="ctr"/>
+                <a:r>
+                  <a:rPr lang="en-US" sz="9000" dirty="0"/>
+                  <a:t>Stock tank</a:t>
+                </a:r>
+              </a:p>
+              <a:p>
+                <a:pPr algn="ctr"/>
+                <a:r>
+                  <a:rPr lang="en-US" sz="9000" dirty="0"/>
+                  <a:t>(L)</a:t>
+                </a:r>
+              </a:p>
+            </p:txBody>
+          </p:sp>
+          <p:sp>
+            <p:nvSpPr>
+              <p:cNvPr id="10" name="TextBox 9">
+                <a:extLst>
+                  <a:ext uri="{FF2B5EF4-FFF2-40B4-BE49-F238E27FC236}">
+                    <a16:creationId xmlns:a16="http://schemas.microsoft.com/office/drawing/2014/main" id="{00722263-C120-447C-9924-AF317945CB53}"/>
+                  </a:ext>
+                </a:extLst>
+              </p:cNvPr>
+              <p:cNvSpPr txBox="1"/>
+              <p:nvPr/>
+            </p:nvSpPr>
+            <p:spPr>
+              <a:xfrm>
+                <a:off x="-961" y="4583144"/>
+                <a:ext cx="7109758" cy="4247317"/>
+              </a:xfrm>
+              <a:prstGeom prst="rect">
+                <a:avLst/>
+              </a:prstGeom>
+              <a:noFill/>
+            </p:spPr>
+            <p:txBody>
+              <a:bodyPr wrap="square" rtlCol="0">
+                <a:spAutoFit/>
+              </a:bodyPr>
+              <a:lstStyle/>
+              <a:p>
+                <a:pPr algn="ctr"/>
+                <a:r>
+                  <a:rPr lang="en-US" sz="9000" dirty="0">
+                    <a:solidFill>
+                      <a:srgbClr val="0000FF"/>
+                    </a:solidFill>
+                  </a:rPr>
+                  <a:t>Calibration column</a:t>
+                </a:r>
+              </a:p>
+              <a:p>
+                <a:pPr algn="ctr"/>
+                <a:r>
+                  <a:rPr lang="en-US" sz="9000" dirty="0">
+                    <a:solidFill>
+                      <a:srgbClr val="0000FF"/>
+                    </a:solidFill>
+                  </a:rPr>
+                  <a:t>(mL)</a:t>
+                </a:r>
+              </a:p>
+            </p:txBody>
+          </p:sp>
+        </p:grpSp>
+        <p:grpSp>
+          <p:nvGrpSpPr>
+            <p:cNvPr id="13" name="Group 12">
+              <a:extLst>
+                <a:ext uri="{FF2B5EF4-FFF2-40B4-BE49-F238E27FC236}">
+                  <a16:creationId xmlns:a16="http://schemas.microsoft.com/office/drawing/2014/main" id="{12E05FA2-731D-423A-87AC-5808691A006C}"/>
+                </a:ext>
+              </a:extLst>
+            </p:cNvPr>
+            <p:cNvGrpSpPr/>
+            <p:nvPr/>
+          </p:nvGrpSpPr>
+          <p:grpSpPr>
+            <a:xfrm>
+              <a:off x="6202259" y="1693012"/>
+              <a:ext cx="9914041" cy="7137449"/>
+              <a:chOff x="4267900" y="1693012"/>
+              <a:chExt cx="9914041" cy="7137449"/>
+            </a:xfrm>
+          </p:grpSpPr>
+          <p:sp>
+            <p:nvSpPr>
+              <p:cNvPr id="14" name="TextBox 13">
+                <a:extLst>
+                  <a:ext uri="{FF2B5EF4-FFF2-40B4-BE49-F238E27FC236}">
+                    <a16:creationId xmlns:a16="http://schemas.microsoft.com/office/drawing/2014/main" id="{B82BDD0C-C3ED-4B23-A2F4-A6B7A0BE4555}"/>
+                  </a:ext>
+                </a:extLst>
+              </p:cNvPr>
+              <p:cNvSpPr txBox="1"/>
+              <p:nvPr/>
+            </p:nvSpPr>
+            <p:spPr>
+              <a:xfrm>
+                <a:off x="4520913" y="1693012"/>
+                <a:ext cx="7197804" cy="2554545"/>
+              </a:xfrm>
+              <a:prstGeom prst="rect">
+                <a:avLst/>
+              </a:prstGeom>
+              <a:noFill/>
+            </p:spPr>
+            <p:txBody>
+              <a:bodyPr wrap="none" rtlCol="0">
+                <a:spAutoFit/>
+              </a:bodyPr>
+              <a:lstStyle/>
+              <a:p>
+                <a:r>
+                  <a:rPr lang="en-US" sz="16000" dirty="0"/>
+                  <a:t>Chlorine</a:t>
+                </a:r>
+              </a:p>
+            </p:txBody>
+          </p:sp>
+          <p:sp>
+            <p:nvSpPr>
+              <p:cNvPr id="15" name="TextBox 14">
+                <a:extLst>
+                  <a:ext uri="{FF2B5EF4-FFF2-40B4-BE49-F238E27FC236}">
+                    <a16:creationId xmlns:a16="http://schemas.microsoft.com/office/drawing/2014/main" id="{D8B41684-E807-4319-8125-7B0ACF16EDA6}"/>
+                  </a:ext>
+                </a:extLst>
+              </p:cNvPr>
+              <p:cNvSpPr txBox="1"/>
+              <p:nvPr/>
+            </p:nvSpPr>
+            <p:spPr>
+              <a:xfrm>
+                <a:off x="4267900" y="4583144"/>
+                <a:ext cx="3842676" cy="4247317"/>
+              </a:xfrm>
+              <a:prstGeom prst="rect">
+                <a:avLst/>
+              </a:prstGeom>
+              <a:noFill/>
+            </p:spPr>
+            <p:txBody>
+              <a:bodyPr wrap="square" rtlCol="0">
+                <a:spAutoFit/>
+              </a:bodyPr>
+              <a:lstStyle/>
+              <a:p>
+                <a:pPr algn="ctr"/>
+                <a:r>
+                  <a:rPr lang="en-US" sz="9000" dirty="0"/>
+                  <a:t>Stock tank</a:t>
+                </a:r>
+              </a:p>
+              <a:p>
+                <a:pPr algn="ctr"/>
+                <a:r>
+                  <a:rPr lang="en-US" sz="9000" dirty="0"/>
+                  <a:t>(L)</a:t>
+                </a:r>
+              </a:p>
+            </p:txBody>
+          </p:sp>
+          <p:sp>
+            <p:nvSpPr>
+              <p:cNvPr id="16" name="TextBox 15">
+                <a:extLst>
+                  <a:ext uri="{FF2B5EF4-FFF2-40B4-BE49-F238E27FC236}">
+                    <a16:creationId xmlns:a16="http://schemas.microsoft.com/office/drawing/2014/main" id="{DB685112-6EC3-496A-BFFB-F7E41369E602}"/>
+                  </a:ext>
+                </a:extLst>
+              </p:cNvPr>
+              <p:cNvSpPr txBox="1"/>
+              <p:nvPr/>
+            </p:nvSpPr>
+            <p:spPr>
+              <a:xfrm>
+                <a:off x="8172101" y="4583144"/>
+                <a:ext cx="6009840" cy="4247317"/>
+              </a:xfrm>
+              <a:prstGeom prst="rect">
+                <a:avLst/>
+              </a:prstGeom>
+              <a:noFill/>
+            </p:spPr>
+            <p:txBody>
+              <a:bodyPr wrap="square" rtlCol="0">
+                <a:spAutoFit/>
+              </a:bodyPr>
+              <a:lstStyle/>
+              <a:p>
+                <a:pPr algn="ctr"/>
+                <a:r>
+                  <a:rPr lang="en-US" sz="9000" dirty="0">
+                    <a:solidFill>
+                      <a:srgbClr val="0000FF"/>
+                    </a:solidFill>
+                  </a:rPr>
+                  <a:t>Calibration column</a:t>
+                </a:r>
+              </a:p>
+              <a:p>
+                <a:pPr algn="ctr"/>
+                <a:r>
+                  <a:rPr lang="en-US" sz="9000" dirty="0">
+                    <a:solidFill>
+                      <a:srgbClr val="0000FF"/>
+                    </a:solidFill>
+                  </a:rPr>
+                  <a:t>(mL)</a:t>
+                </a:r>
+              </a:p>
+            </p:txBody>
+          </p:sp>
+        </p:grpSp>
+      </p:grpSp>
     </p:spTree>
     <p:extLst>
       <p:ext uri="{BB962C8B-B14F-4D97-AF65-F5344CB8AC3E}">
@@ -3932,769 +4040,106 @@
   <p:clrMapOvr>
     <a:masterClrMapping/>
   </p:clrMapOvr>
-  <p:timing>
-    <p:tnLst>
-      <p:par>
-        <p:cTn id="1" dur="indefinite" restart="never" nodeType="tmRoot">
-          <p:childTnLst>
-            <p:seq concurrent="1" nextAc="seek">
-              <p:cTn id="2" dur="indefinite" nodeType="mainSeq">
-                <p:childTnLst>
-                  <p:par>
-                    <p:cTn id="3" fill="hold">
-                      <p:stCondLst>
-                        <p:cond delay="indefinite"/>
-                      </p:stCondLst>
-                      <p:childTnLst>
-                        <p:par>
-                          <p:cTn id="4" fill="hold">
-                            <p:stCondLst>
-                              <p:cond delay="0"/>
-                            </p:stCondLst>
-                            <p:childTnLst>
-                              <p:par>
-                                <p:cTn id="5" presetID="0" presetClass="path" presetSubtype="0" fill="hold" nodeType="clickEffect">
-                                  <p:stCondLst>
-                                    <p:cond delay="0"/>
-                                  </p:stCondLst>
-                                  <p:childTnLst>
-                                    <p:animMotion origin="layout" path="M -0.00078 7.40741E-7 C 0.00052 -0.08195 -0.01237 -0.20787 0.00352 -0.24491 C 0.04441 -0.32361 0.13933 -0.51389 0.21537 -0.65556 " pathEditMode="relative" rAng="0" ptsTypes="AAA">
-                                      <p:cBhvr>
-                                        <p:cTn id="6" dur="2000" fill="hold"/>
-                                        <p:tgtEl>
-                                          <p:spTgt spid="9"/>
-                                        </p:tgtEl>
-                                        <p:attrNameLst>
-                                          <p:attrName>ppt_x</p:attrName>
-                                          <p:attrName>ppt_y</p:attrName>
-                                        </p:attrNameLst>
-                                      </p:cBhvr>
-                                      <p:rCtr x="10625" y="-32778"/>
-                                    </p:animMotion>
-                                  </p:childTnLst>
-                                </p:cTn>
-                              </p:par>
-                            </p:childTnLst>
-                          </p:cTn>
-                        </p:par>
-                        <p:par>
-                          <p:cTn id="7" fill="hold">
-                            <p:stCondLst>
-                              <p:cond delay="2000"/>
-                            </p:stCondLst>
-                            <p:childTnLst>
-                              <p:par>
-                                <p:cTn id="8" presetID="0" presetClass="path" presetSubtype="0" fill="hold" nodeType="afterEffect">
-                                  <p:stCondLst>
-                                    <p:cond delay="0"/>
-                                  </p:stCondLst>
-                                  <p:childTnLst>
-                                    <p:animMotion origin="layout" path="M -0.00013 3.33333E-6 C 0.00052 -0.13056 -0.00977 -0.24445 0.0043 -0.27755 C 0.01354 -0.3 0.07357 -0.44792 0.2513 -0.8294 " pathEditMode="relative" rAng="0" ptsTypes="AAA">
-                                      <p:cBhvr>
-                                        <p:cTn id="9" dur="2000" fill="hold"/>
-                                        <p:tgtEl>
-                                          <p:spTgt spid="259"/>
-                                        </p:tgtEl>
-                                        <p:attrNameLst>
-                                          <p:attrName>ppt_x</p:attrName>
-                                          <p:attrName>ppt_y</p:attrName>
-                                        </p:attrNameLst>
-                                      </p:cBhvr>
-                                      <p:rCtr x="12422" y="-41481"/>
-                                    </p:animMotion>
-                                  </p:childTnLst>
-                                </p:cTn>
-                              </p:par>
-                            </p:childTnLst>
-                          </p:cTn>
-                        </p:par>
-                        <p:par>
-                          <p:cTn id="10" fill="hold">
-                            <p:stCondLst>
-                              <p:cond delay="4000"/>
-                            </p:stCondLst>
-                            <p:childTnLst>
-                              <p:par>
-                                <p:cTn id="11" presetID="0" presetClass="path" presetSubtype="0" fill="hold" nodeType="afterEffect">
-                                  <p:stCondLst>
-                                    <p:cond delay="0"/>
-                                  </p:stCondLst>
-                                  <p:childTnLst>
-                                    <p:animMotion origin="layout" path="M -0.00026 -4.44444E-6 C 4.16667E-6 -0.09699 -0.01237 -0.24027 0.00065 -0.28935 C 0.01367 -0.33888 0.06757 -0.46967 0.15247 -0.6581 " pathEditMode="relative" rAng="0" ptsTypes="AAA">
-                                      <p:cBhvr>
-                                        <p:cTn id="12" dur="2000" fill="hold"/>
-                                        <p:tgtEl>
-                                          <p:spTgt spid="258"/>
-                                        </p:tgtEl>
-                                        <p:attrNameLst>
-                                          <p:attrName>ppt_x</p:attrName>
-                                          <p:attrName>ppt_y</p:attrName>
-                                        </p:attrNameLst>
-                                      </p:cBhvr>
-                                      <p:rCtr x="7383" y="-32917"/>
-                                    </p:animMotion>
-                                  </p:childTnLst>
-                                </p:cTn>
-                              </p:par>
-                            </p:childTnLst>
-                          </p:cTn>
-                        </p:par>
-                        <p:par>
-                          <p:cTn id="13" fill="hold">
-                            <p:stCondLst>
-                              <p:cond delay="6000"/>
-                            </p:stCondLst>
-                            <p:childTnLst>
-                              <p:par>
-                                <p:cTn id="14" presetID="0" presetClass="path" presetSubtype="0" fill="hold" nodeType="afterEffect">
-                                  <p:stCondLst>
-                                    <p:cond delay="0"/>
-                                  </p:stCondLst>
-                                  <p:childTnLst>
-                                    <p:animMotion origin="layout" path="M -0.00118 -3.33333E-6 C 0.00013 -0.08287 -0.01224 -0.20995 0.00286 -0.24745 C 0.04179 -0.32662 0.07161 -0.39861 0.14427 -0.5412 " pathEditMode="relative" rAng="0" ptsTypes="AAA">
-                                      <p:cBhvr>
-                                        <p:cTn id="15" dur="2000" fill="hold"/>
-                                        <p:tgtEl>
-                                          <p:spTgt spid="12"/>
-                                        </p:tgtEl>
-                                        <p:attrNameLst>
-                                          <p:attrName>ppt_x</p:attrName>
-                                          <p:attrName>ppt_y</p:attrName>
-                                        </p:attrNameLst>
-                                      </p:cBhvr>
-                                      <p:rCtr x="7096" y="-27060"/>
-                                    </p:animMotion>
-                                  </p:childTnLst>
-                                </p:cTn>
-                              </p:par>
-                            </p:childTnLst>
-                          </p:cTn>
-                        </p:par>
-                        <p:par>
-                          <p:cTn id="16" fill="hold">
-                            <p:stCondLst>
-                              <p:cond delay="8000"/>
-                            </p:stCondLst>
-                            <p:childTnLst>
-                              <p:par>
-                                <p:cTn id="17" presetID="0" presetClass="path" presetSubtype="0" fill="hold" nodeType="afterEffect">
-                                  <p:stCondLst>
-                                    <p:cond delay="0"/>
-                                  </p:stCondLst>
-                                  <p:childTnLst>
-                                    <p:animMotion origin="layout" path="M -0.00026 1.48148E-6 C 0.00105 -0.07894 -0.0108 -0.19954 0.00378 -0.23519 C 0.04115 -0.31019 0.07566 -0.37222 0.14571 -0.50741 " pathEditMode="relative" rAng="0" ptsTypes="AAA">
-                                      <p:cBhvr>
-                                        <p:cTn id="18" dur="2000" fill="hold"/>
-                                        <p:tgtEl>
-                                          <p:spTgt spid="11"/>
-                                        </p:tgtEl>
-                                        <p:attrNameLst>
-                                          <p:attrName>ppt_x</p:attrName>
-                                          <p:attrName>ppt_y</p:attrName>
-                                        </p:attrNameLst>
-                                      </p:cBhvr>
-                                      <p:rCtr x="7135" y="-25370"/>
-                                    </p:animMotion>
-                                  </p:childTnLst>
-                                </p:cTn>
-                              </p:par>
-                            </p:childTnLst>
-                          </p:cTn>
-                        </p:par>
-                        <p:par>
-                          <p:cTn id="19" fill="hold">
-                            <p:stCondLst>
-                              <p:cond delay="10000"/>
-                            </p:stCondLst>
-                            <p:childTnLst>
-                              <p:par>
-                                <p:cTn id="20" presetID="0" presetClass="path" presetSubtype="0" fill="hold" nodeType="afterEffect">
-                                  <p:stCondLst>
-                                    <p:cond delay="0"/>
-                                  </p:stCondLst>
-                                  <p:childTnLst>
-                                    <p:animMotion origin="layout" path="M -0.00104 -7.40741E-7 C 0.00027 -0.08194 -0.01263 -0.20787 0.00326 -0.24514 C 0.04415 -0.32361 0.04193 -0.33704 0.11836 -0.47824 " pathEditMode="relative" rAng="0" ptsTypes="AAA">
-                                      <p:cBhvr>
-                                        <p:cTn id="21" dur="2000" fill="hold"/>
-                                        <p:tgtEl>
-                                          <p:spTgt spid="260"/>
-                                        </p:tgtEl>
-                                        <p:attrNameLst>
-                                          <p:attrName>ppt_x</p:attrName>
-                                          <p:attrName>ppt_y</p:attrName>
-                                        </p:attrNameLst>
-                                      </p:cBhvr>
-                                      <p:rCtr x="5781" y="-23912"/>
-                                    </p:animMotion>
-                                  </p:childTnLst>
-                                </p:cTn>
-                              </p:par>
-                            </p:childTnLst>
-                          </p:cTn>
-                        </p:par>
-                        <p:par>
-                          <p:cTn id="22" fill="hold">
-                            <p:stCondLst>
-                              <p:cond delay="12000"/>
-                            </p:stCondLst>
-                            <p:childTnLst>
-                              <p:par>
-                                <p:cTn id="23" presetID="0" presetClass="path" presetSubtype="0" fill="hold" nodeType="afterEffect">
-                                  <p:stCondLst>
-                                    <p:cond delay="0"/>
-                                  </p:stCondLst>
-                                  <p:childTnLst>
-                                    <p:animMotion origin="layout" path="M 0.2513 -0.83426 L 0.21328 -0.72292 L 0.21328 -0.72292 " pathEditMode="relative" ptsTypes="AAA">
-                                      <p:cBhvr>
-                                        <p:cTn id="24" dur="2000" fill="hold"/>
-                                        <p:tgtEl>
-                                          <p:spTgt spid="259"/>
-                                        </p:tgtEl>
-                                        <p:attrNameLst>
-                                          <p:attrName>ppt_x</p:attrName>
-                                          <p:attrName>ppt_y</p:attrName>
-                                        </p:attrNameLst>
-                                      </p:cBhvr>
-                                    </p:animMotion>
-                                  </p:childTnLst>
-                                </p:cTn>
-                              </p:par>
-                            </p:childTnLst>
-                          </p:cTn>
-                        </p:par>
-                        <p:par>
-                          <p:cTn id="25" fill="hold">
-                            <p:stCondLst>
-                              <p:cond delay="14000"/>
-                            </p:stCondLst>
-                            <p:childTnLst>
-                              <p:par>
-                                <p:cTn id="26" presetID="0" presetClass="path" presetSubtype="0" fill="hold" nodeType="afterEffect">
-                                  <p:stCondLst>
-                                    <p:cond delay="0"/>
-                                  </p:stCondLst>
-                                  <p:childTnLst>
-                                    <p:animMotion origin="layout" path="M 0.21419 -0.72292 L 0.20182 -0.66945 " pathEditMode="relative" ptsTypes="AA">
-                                      <p:cBhvr>
-                                        <p:cTn id="27" dur="2000" fill="hold"/>
-                                        <p:tgtEl>
-                                          <p:spTgt spid="259"/>
-                                        </p:tgtEl>
-                                        <p:attrNameLst>
-                                          <p:attrName>ppt_x</p:attrName>
-                                          <p:attrName>ppt_y</p:attrName>
-                                        </p:attrNameLst>
-                                      </p:cBhvr>
-                                    </p:animMotion>
-                                  </p:childTnLst>
-                                </p:cTn>
-                              </p:par>
-                              <p:par>
-                                <p:cTn id="28" presetID="0" presetClass="path" presetSubtype="0" fill="hold" nodeType="withEffect">
-                                  <p:stCondLst>
-                                    <p:cond delay="0"/>
-                                  </p:stCondLst>
-                                  <p:childTnLst>
-                                    <p:animMotion origin="layout" path="M 0.21576 -0.65764 L 0.20612 -0.61366 L 0.20612 -0.61366 " pathEditMode="relative" ptsTypes="AAA">
-                                      <p:cBhvr>
-                                        <p:cTn id="29" dur="2000" fill="hold"/>
-                                        <p:tgtEl>
-                                          <p:spTgt spid="9"/>
-                                        </p:tgtEl>
-                                        <p:attrNameLst>
-                                          <p:attrName>ppt_x</p:attrName>
-                                          <p:attrName>ppt_y</p:attrName>
-                                        </p:attrNameLst>
-                                      </p:cBhvr>
-                                    </p:animMotion>
-                                  </p:childTnLst>
-                                </p:cTn>
-                              </p:par>
-                            </p:childTnLst>
-                          </p:cTn>
-                        </p:par>
-                        <p:par>
-                          <p:cTn id="30" fill="hold">
-                            <p:stCondLst>
-                              <p:cond delay="16000"/>
-                            </p:stCondLst>
-                            <p:childTnLst>
-                              <p:par>
-                                <p:cTn id="31" presetID="0" presetClass="path" presetSubtype="0" accel="50000" decel="50000" fill="hold" nodeType="afterEffect">
-                                  <p:stCondLst>
-                                    <p:cond delay="0"/>
-                                  </p:stCondLst>
-                                  <p:childTnLst>
-                                    <p:animMotion origin="layout" path="M 0.15143 -0.6581 L 0.13906 -0.62569 " pathEditMode="relative" ptsTypes="AA">
-                                      <p:cBhvr>
-                                        <p:cTn id="32" dur="2000" fill="hold"/>
-                                        <p:tgtEl>
-                                          <p:spTgt spid="258"/>
-                                        </p:tgtEl>
-                                        <p:attrNameLst>
-                                          <p:attrName>ppt_x</p:attrName>
-                                          <p:attrName>ppt_y</p:attrName>
-                                        </p:attrNameLst>
-                                      </p:cBhvr>
-                                    </p:animMotion>
-                                  </p:childTnLst>
-                                </p:cTn>
-                              </p:par>
-                              <p:par>
-                                <p:cTn id="33" presetID="0" presetClass="path" presetSubtype="0" accel="50000" decel="50000" fill="hold" nodeType="withEffect">
-                                  <p:stCondLst>
-                                    <p:cond delay="0"/>
-                                  </p:stCondLst>
-                                  <p:childTnLst>
-                                    <p:animMotion origin="layout" path="M 0.20221 -0.66945 L 0.19297 -0.63889 " pathEditMode="relative" ptsTypes="AA">
-                                      <p:cBhvr>
-                                        <p:cTn id="34" dur="2000" fill="hold"/>
-                                        <p:tgtEl>
-                                          <p:spTgt spid="259"/>
-                                        </p:tgtEl>
-                                        <p:attrNameLst>
-                                          <p:attrName>ppt_x</p:attrName>
-                                          <p:attrName>ppt_y</p:attrName>
-                                        </p:attrNameLst>
-                                      </p:cBhvr>
-                                    </p:animMotion>
-                                  </p:childTnLst>
-                                </p:cTn>
-                              </p:par>
-                              <p:par>
-                                <p:cTn id="35" presetID="0" presetClass="path" presetSubtype="0" accel="50000" decel="50000" fill="hold" nodeType="withEffect">
-                                  <p:stCondLst>
-                                    <p:cond delay="0"/>
-                                  </p:stCondLst>
-                                  <p:childTnLst>
-                                    <p:animMotion origin="layout" path="M 0.20534 -0.61204 L 0.19558 -0.5875 " pathEditMode="relative" ptsTypes="AA">
-                                      <p:cBhvr>
-                                        <p:cTn id="36" dur="2000" fill="hold"/>
-                                        <p:tgtEl>
-                                          <p:spTgt spid="9"/>
-                                        </p:tgtEl>
-                                        <p:attrNameLst>
-                                          <p:attrName>ppt_x</p:attrName>
-                                          <p:attrName>ppt_y</p:attrName>
-                                        </p:attrNameLst>
-                                      </p:cBhvr>
-                                    </p:animMotion>
-                                  </p:childTnLst>
-                                </p:cTn>
-                              </p:par>
-                            </p:childTnLst>
-                          </p:cTn>
-                        </p:par>
-                        <p:par>
-                          <p:cTn id="37" fill="hold">
-                            <p:stCondLst>
-                              <p:cond delay="18000"/>
-                            </p:stCondLst>
-                            <p:childTnLst>
-                              <p:par>
-                                <p:cTn id="38" presetID="0" presetClass="path" presetSubtype="0" accel="50000" decel="50000" fill="hold" nodeType="afterEffect">
-                                  <p:stCondLst>
-                                    <p:cond delay="0"/>
-                                  </p:stCondLst>
-                                  <p:childTnLst>
-                                    <p:animMotion origin="layout" path="M 0.14401 -0.54074 L 0.12682 -0.50602 " pathEditMode="relative" ptsTypes="AA">
-                                      <p:cBhvr>
-                                        <p:cTn id="39" dur="2000" fill="hold"/>
-                                        <p:tgtEl>
-                                          <p:spTgt spid="12"/>
-                                        </p:tgtEl>
-                                        <p:attrNameLst>
-                                          <p:attrName>ppt_x</p:attrName>
-                                          <p:attrName>ppt_y</p:attrName>
-                                        </p:attrNameLst>
-                                      </p:cBhvr>
-                                    </p:animMotion>
-                                  </p:childTnLst>
-                                </p:cTn>
-                              </p:par>
-                              <p:par>
-                                <p:cTn id="40" presetID="0" presetClass="path" presetSubtype="0" accel="50000" decel="50000" fill="hold" nodeType="withEffect">
-                                  <p:stCondLst>
-                                    <p:cond delay="0"/>
-                                  </p:stCondLst>
-                                  <p:childTnLst>
-                                    <p:animMotion origin="layout" path="M 0.13906 -0.62569 L 0.12448 -0.59004 " pathEditMode="relative" rAng="0" ptsTypes="AA">
-                                      <p:cBhvr>
-                                        <p:cTn id="41" dur="2000" fill="hold"/>
-                                        <p:tgtEl>
-                                          <p:spTgt spid="258"/>
-                                        </p:tgtEl>
-                                        <p:attrNameLst>
-                                          <p:attrName>ppt_x</p:attrName>
-                                          <p:attrName>ppt_y</p:attrName>
-                                        </p:attrNameLst>
-                                      </p:cBhvr>
-                                      <p:rCtr x="-729" y="1782"/>
-                                    </p:animMotion>
-                                  </p:childTnLst>
-                                </p:cTn>
-                              </p:par>
-                              <p:par>
-                                <p:cTn id="42" presetID="0" presetClass="path" presetSubtype="0" accel="50000" decel="50000" fill="hold" nodeType="withEffect">
-                                  <p:stCondLst>
-                                    <p:cond delay="0"/>
-                                  </p:stCondLst>
-                                  <p:childTnLst>
-                                    <p:animMotion origin="layout" path="M 0.19388 -0.63889 L 0.16849 -0.60186 " pathEditMode="relative" rAng="0" ptsTypes="AA">
-                                      <p:cBhvr>
-                                        <p:cTn id="43" dur="2000" fill="hold"/>
-                                        <p:tgtEl>
-                                          <p:spTgt spid="259"/>
-                                        </p:tgtEl>
-                                        <p:attrNameLst>
-                                          <p:attrName>ppt_x</p:attrName>
-                                          <p:attrName>ppt_y</p:attrName>
-                                        </p:attrNameLst>
-                                      </p:cBhvr>
-                                      <p:rCtr x="-1276" y="1852"/>
-                                    </p:animMotion>
-                                  </p:childTnLst>
-                                </p:cTn>
-                              </p:par>
-                              <p:par>
-                                <p:cTn id="44" presetID="0" presetClass="path" presetSubtype="0" accel="50000" decel="50000" fill="hold" nodeType="withEffect">
-                                  <p:stCondLst>
-                                    <p:cond delay="0"/>
-                                  </p:stCondLst>
-                                  <p:childTnLst>
-                                    <p:animMotion origin="layout" path="M 0.19558 -0.58495 L 0.17644 -0.54074 " pathEditMode="relative" rAng="0" ptsTypes="AA">
-                                      <p:cBhvr>
-                                        <p:cTn id="45" dur="2000" fill="hold"/>
-                                        <p:tgtEl>
-                                          <p:spTgt spid="9"/>
-                                        </p:tgtEl>
-                                        <p:attrNameLst>
-                                          <p:attrName>ppt_x</p:attrName>
-                                          <p:attrName>ppt_y</p:attrName>
-                                        </p:attrNameLst>
-                                      </p:cBhvr>
-                                      <p:rCtr x="-964" y="2199"/>
-                                    </p:animMotion>
-                                  </p:childTnLst>
-                                </p:cTn>
-                              </p:par>
-                            </p:childTnLst>
-                          </p:cTn>
-                        </p:par>
-                        <p:par>
-                          <p:cTn id="46" fill="hold">
-                            <p:stCondLst>
-                              <p:cond delay="20000"/>
-                            </p:stCondLst>
-                            <p:childTnLst>
-                              <p:par>
-                                <p:cTn id="47" presetID="0" presetClass="path" presetSubtype="0" accel="50000" decel="50000" fill="hold" nodeType="afterEffect">
-                                  <p:stCondLst>
-                                    <p:cond delay="0"/>
-                                  </p:stCondLst>
-                                  <p:childTnLst>
-                                    <p:animMotion origin="layout" path="M 0.14506 -0.50741 L 0.13425 -0.47083 " pathEditMode="relative" ptsTypes="AA">
-                                      <p:cBhvr>
-                                        <p:cTn id="48" dur="2000" fill="hold"/>
-                                        <p:tgtEl>
-                                          <p:spTgt spid="11"/>
-                                        </p:tgtEl>
-                                        <p:attrNameLst>
-                                          <p:attrName>ppt_x</p:attrName>
-                                          <p:attrName>ppt_y</p:attrName>
-                                        </p:attrNameLst>
-                                      </p:cBhvr>
-                                    </p:animMotion>
-                                  </p:childTnLst>
-                                </p:cTn>
-                              </p:par>
-                              <p:par>
-                                <p:cTn id="49" presetID="0" presetClass="path" presetSubtype="0" accel="50000" decel="50000" fill="hold" nodeType="withEffect">
-                                  <p:stCondLst>
-                                    <p:cond delay="0"/>
-                                  </p:stCondLst>
-                                  <p:childTnLst>
-                                    <p:animMotion origin="layout" path="M 0.12721 -0.50602 L 0.10859 -0.46412 " pathEditMode="relative" rAng="0" ptsTypes="AA">
-                                      <p:cBhvr>
-                                        <p:cTn id="50" dur="2000" fill="hold"/>
-                                        <p:tgtEl>
-                                          <p:spTgt spid="12"/>
-                                        </p:tgtEl>
-                                        <p:attrNameLst>
-                                          <p:attrName>ppt_x</p:attrName>
-                                          <p:attrName>ppt_y</p:attrName>
-                                        </p:attrNameLst>
-                                      </p:cBhvr>
-                                      <p:rCtr x="-938" y="2083"/>
-                                    </p:animMotion>
-                                  </p:childTnLst>
-                                </p:cTn>
-                              </p:par>
-                              <p:par>
-                                <p:cTn id="51" presetID="0" presetClass="path" presetSubtype="0" accel="50000" decel="50000" fill="hold" nodeType="withEffect">
-                                  <p:stCondLst>
-                                    <p:cond delay="0"/>
-                                  </p:stCondLst>
-                                  <p:childTnLst>
-                                    <p:animMotion origin="layout" path="M 0.1767 -0.54074 L 0.15964 -0.49861 " pathEditMode="relative" rAng="0" ptsTypes="AA">
-                                      <p:cBhvr>
-                                        <p:cTn id="52" dur="2000" fill="hold"/>
-                                        <p:tgtEl>
-                                          <p:spTgt spid="9"/>
-                                        </p:tgtEl>
-                                        <p:attrNameLst>
-                                          <p:attrName>ppt_x</p:attrName>
-                                          <p:attrName>ppt_y</p:attrName>
-                                        </p:attrNameLst>
-                                      </p:cBhvr>
-                                      <p:rCtr x="-859" y="2106"/>
-                                    </p:animMotion>
-                                  </p:childTnLst>
-                                </p:cTn>
-                              </p:par>
-                              <p:par>
-                                <p:cTn id="53" presetID="0" presetClass="path" presetSubtype="0" accel="50000" decel="50000" fill="hold" nodeType="withEffect">
-                                  <p:stCondLst>
-                                    <p:cond delay="0"/>
-                                  </p:stCondLst>
-                                  <p:childTnLst>
-                                    <p:animMotion origin="layout" path="M 0.12448 -0.58819 L 0.11211 -0.53588 " pathEditMode="relative" rAng="0" ptsTypes="AA">
-                                      <p:cBhvr>
-                                        <p:cTn id="54" dur="2000" fill="hold"/>
-                                        <p:tgtEl>
-                                          <p:spTgt spid="258"/>
-                                        </p:tgtEl>
-                                        <p:attrNameLst>
-                                          <p:attrName>ppt_x</p:attrName>
-                                          <p:attrName>ppt_y</p:attrName>
-                                        </p:attrNameLst>
-                                      </p:cBhvr>
-                                      <p:rCtr x="-625" y="2616"/>
-                                    </p:animMotion>
-                                  </p:childTnLst>
-                                </p:cTn>
-                              </p:par>
-                              <p:par>
-                                <p:cTn id="55" presetID="0" presetClass="path" presetSubtype="0" accel="50000" decel="50000" fill="hold" nodeType="withEffect">
-                                  <p:stCondLst>
-                                    <p:cond delay="0"/>
-                                  </p:stCondLst>
-                                  <p:childTnLst>
-                                    <p:animMotion origin="layout" path="M 0.1681 -0.60093 L 0.15065 -0.54398 " pathEditMode="relative" rAng="0" ptsTypes="AA">
-                                      <p:cBhvr>
-                                        <p:cTn id="56" dur="2000" fill="hold"/>
-                                        <p:tgtEl>
-                                          <p:spTgt spid="259"/>
-                                        </p:tgtEl>
-                                        <p:attrNameLst>
-                                          <p:attrName>ppt_x</p:attrName>
-                                          <p:attrName>ppt_y</p:attrName>
-                                        </p:attrNameLst>
-                                      </p:cBhvr>
-                                      <p:rCtr x="-872" y="2847"/>
-                                    </p:animMotion>
-                                  </p:childTnLst>
-                                </p:cTn>
-                              </p:par>
-                            </p:childTnLst>
-                          </p:cTn>
-                        </p:par>
-                        <p:par>
-                          <p:cTn id="57" fill="hold">
-                            <p:stCondLst>
-                              <p:cond delay="22000"/>
-                            </p:stCondLst>
-                            <p:childTnLst>
-                              <p:par>
-                                <p:cTn id="58" presetID="1" presetClass="exit" presetSubtype="0" fill="hold" nodeType="afterEffect">
-                                  <p:stCondLst>
-                                    <p:cond delay="0"/>
-                                  </p:stCondLst>
-                                  <p:childTnLst>
-                                    <p:set>
-                                      <p:cBhvr>
-                                        <p:cTn id="59" dur="1" fill="hold">
-                                          <p:stCondLst>
-                                            <p:cond delay="0"/>
-                                          </p:stCondLst>
-                                        </p:cTn>
-                                        <p:tgtEl>
-                                          <p:spTgt spid="11"/>
-                                        </p:tgtEl>
-                                        <p:attrNameLst>
-                                          <p:attrName>style.visibility</p:attrName>
-                                        </p:attrNameLst>
-                                      </p:cBhvr>
-                                      <p:to>
-                                        <p:strVal val="hidden"/>
-                                      </p:to>
-                                    </p:set>
-                                  </p:childTnLst>
-                                </p:cTn>
-                              </p:par>
-                              <p:par>
-                                <p:cTn id="60" presetID="1" presetClass="exit" presetSubtype="0" fill="hold" nodeType="withEffect">
-                                  <p:stCondLst>
-                                    <p:cond delay="0"/>
-                                  </p:stCondLst>
-                                  <p:childTnLst>
-                                    <p:set>
-                                      <p:cBhvr>
-                                        <p:cTn id="61" dur="1" fill="hold">
-                                          <p:stCondLst>
-                                            <p:cond delay="0"/>
-                                          </p:stCondLst>
-                                        </p:cTn>
-                                        <p:tgtEl>
-                                          <p:spTgt spid="12"/>
-                                        </p:tgtEl>
-                                        <p:attrNameLst>
-                                          <p:attrName>style.visibility</p:attrName>
-                                        </p:attrNameLst>
-                                      </p:cBhvr>
-                                      <p:to>
-                                        <p:strVal val="hidden"/>
-                                      </p:to>
-                                    </p:set>
-                                  </p:childTnLst>
-                                </p:cTn>
-                              </p:par>
-                              <p:par>
-                                <p:cTn id="62" presetID="1" presetClass="exit" presetSubtype="0" fill="hold" nodeType="withEffect">
-                                  <p:stCondLst>
-                                    <p:cond delay="0"/>
-                                  </p:stCondLst>
-                                  <p:childTnLst>
-                                    <p:set>
-                                      <p:cBhvr>
-                                        <p:cTn id="63" dur="1" fill="hold">
-                                          <p:stCondLst>
-                                            <p:cond delay="0"/>
-                                          </p:stCondLst>
-                                        </p:cTn>
-                                        <p:tgtEl>
-                                          <p:spTgt spid="9"/>
-                                        </p:tgtEl>
-                                        <p:attrNameLst>
-                                          <p:attrName>style.visibility</p:attrName>
-                                        </p:attrNameLst>
-                                      </p:cBhvr>
-                                      <p:to>
-                                        <p:strVal val="hidden"/>
-                                      </p:to>
-                                    </p:set>
-                                  </p:childTnLst>
-                                </p:cTn>
-                              </p:par>
-                              <p:par>
-                                <p:cTn id="64" presetID="1" presetClass="exit" presetSubtype="0" fill="hold" nodeType="withEffect">
-                                  <p:stCondLst>
-                                    <p:cond delay="0"/>
-                                  </p:stCondLst>
-                                  <p:childTnLst>
-                                    <p:set>
-                                      <p:cBhvr>
-                                        <p:cTn id="65" dur="1" fill="hold">
-                                          <p:stCondLst>
-                                            <p:cond delay="0"/>
-                                          </p:stCondLst>
-                                        </p:cTn>
-                                        <p:tgtEl>
-                                          <p:spTgt spid="258"/>
-                                        </p:tgtEl>
-                                        <p:attrNameLst>
-                                          <p:attrName>style.visibility</p:attrName>
-                                        </p:attrNameLst>
-                                      </p:cBhvr>
-                                      <p:to>
-                                        <p:strVal val="hidden"/>
-                                      </p:to>
-                                    </p:set>
-                                  </p:childTnLst>
-                                </p:cTn>
-                              </p:par>
-                              <p:par>
-                                <p:cTn id="66" presetID="1" presetClass="exit" presetSubtype="0" fill="hold" nodeType="withEffect">
-                                  <p:stCondLst>
-                                    <p:cond delay="0"/>
-                                  </p:stCondLst>
-                                  <p:childTnLst>
-                                    <p:set>
-                                      <p:cBhvr>
-                                        <p:cTn id="67" dur="1" fill="hold">
-                                          <p:stCondLst>
-                                            <p:cond delay="0"/>
-                                          </p:stCondLst>
-                                        </p:cTn>
-                                        <p:tgtEl>
-                                          <p:spTgt spid="259"/>
-                                        </p:tgtEl>
-                                        <p:attrNameLst>
-                                          <p:attrName>style.visibility</p:attrName>
-                                        </p:attrNameLst>
-                                      </p:cBhvr>
-                                      <p:to>
-                                        <p:strVal val="hidden"/>
-                                      </p:to>
-                                    </p:set>
-                                  </p:childTnLst>
-                                </p:cTn>
-                              </p:par>
-                              <p:par>
-                                <p:cTn id="68" presetID="1" presetClass="exit" presetSubtype="0" fill="hold" nodeType="withEffect">
-                                  <p:stCondLst>
-                                    <p:cond delay="0"/>
-                                  </p:stCondLst>
-                                  <p:childTnLst>
-                                    <p:set>
-                                      <p:cBhvr>
-                                        <p:cTn id="69" dur="1" fill="hold">
-                                          <p:stCondLst>
-                                            <p:cond delay="0"/>
-                                          </p:stCondLst>
-                                        </p:cTn>
-                                        <p:tgtEl>
-                                          <p:spTgt spid="260"/>
-                                        </p:tgtEl>
-                                        <p:attrNameLst>
-                                          <p:attrName>style.visibility</p:attrName>
-                                        </p:attrNameLst>
-                                      </p:cBhvr>
-                                      <p:to>
-                                        <p:strVal val="hidden"/>
-                                      </p:to>
-                                    </p:set>
-                                  </p:childTnLst>
-                                </p:cTn>
-                              </p:par>
-                            </p:childTnLst>
-                          </p:cTn>
-                        </p:par>
-                      </p:childTnLst>
-                    </p:cTn>
-                  </p:par>
-                </p:childTnLst>
-              </p:cTn>
-              <p:prevCondLst>
-                <p:cond evt="onPrev" delay="0">
-                  <p:tgtEl>
-                    <p:sldTgt/>
-                  </p:tgtEl>
-                </p:cond>
-              </p:prevCondLst>
-              <p:nextCondLst>
-                <p:cond evt="onNext" delay="0">
-                  <p:tgtEl>
-                    <p:sldTgt/>
-                  </p:tgtEl>
-                </p:cond>
-              </p:nextCondLst>
-            </p:seq>
-          </p:childTnLst>
-        </p:cTn>
-      </p:par>
-    </p:tnLst>
-  </p:timing>
+</p:sld>
+</file>
+
+<file path=ppt/slides/slide2.xml><?xml version="1.0" encoding="utf-8"?>
+<p:sld xmlns:a="http://schemas.openxmlformats.org/drawingml/2006/main" xmlns:r="http://schemas.openxmlformats.org/officeDocument/2006/relationships" xmlns:p="http://schemas.openxmlformats.org/presentationml/2006/main">
+  <p:cSld>
+    <p:spTree>
+      <p:nvGrpSpPr>
+        <p:cNvPr id="1" name=""/>
+        <p:cNvGrpSpPr/>
+        <p:nvPr/>
+      </p:nvGrpSpPr>
+      <p:grpSpPr>
+        <a:xfrm>
+          <a:off x="0" y="0"/>
+          <a:ext cx="0" cy="0"/>
+          <a:chOff x="0" y="0"/>
+          <a:chExt cx="0" cy="0"/>
+        </a:xfrm>
+      </p:grpSpPr>
+      <p:pic>
+        <p:nvPicPr>
+          <p:cNvPr id="6" name="Picture 5">
+            <a:extLst>
+              <a:ext uri="{FF2B5EF4-FFF2-40B4-BE49-F238E27FC236}">
+                <a16:creationId xmlns:a16="http://schemas.microsoft.com/office/drawing/2014/main" id="{D7D96701-2092-4447-95EB-5C626431178E}"/>
+              </a:ext>
+            </a:extLst>
+          </p:cNvPr>
+          <p:cNvPicPr>
+            <a:picLocks noChangeAspect="1"/>
+          </p:cNvPicPr>
+          <p:nvPr/>
+        </p:nvPicPr>
+        <p:blipFill rotWithShape="1">
+          <a:blip r:embed="rId2">
+            <a:extLst>
+              <a:ext uri="{28A0092B-C50C-407E-A947-70E740481C1C}">
+                <a14:useLocalDpi xmlns:a14="http://schemas.microsoft.com/office/drawing/2010/main" val="0"/>
+              </a:ext>
+            </a:extLst>
+          </a:blip>
+          <a:srcRect l="34026" t="10746" r="27733"/>
+          <a:stretch/>
+        </p:blipFill>
+        <p:spPr>
+          <a:xfrm>
+            <a:off x="5172501" y="98082"/>
+            <a:ext cx="2238233" cy="6759918"/>
+          </a:xfrm>
+          <a:prstGeom prst="rect">
+            <a:avLst/>
+          </a:prstGeom>
+        </p:spPr>
+      </p:pic>
+      <p:pic>
+        <p:nvPicPr>
+          <p:cNvPr id="8" name="Picture 7">
+            <a:extLst>
+              <a:ext uri="{FF2B5EF4-FFF2-40B4-BE49-F238E27FC236}">
+                <a16:creationId xmlns:a16="http://schemas.microsoft.com/office/drawing/2014/main" id="{FEAA8B4E-DB9F-43AE-BAE2-4C1AC32D2523}"/>
+              </a:ext>
+            </a:extLst>
+          </p:cNvPr>
+          <p:cNvPicPr>
+            <a:picLocks noChangeAspect="1"/>
+          </p:cNvPicPr>
+          <p:nvPr/>
+        </p:nvPicPr>
+        <p:blipFill rotWithShape="1">
+          <a:blip r:embed="rId3">
+            <a:extLst>
+              <a:ext uri="{28A0092B-C50C-407E-A947-70E740481C1C}">
+                <a14:useLocalDpi xmlns:a14="http://schemas.microsoft.com/office/drawing/2010/main" val="0"/>
+              </a:ext>
+            </a:extLst>
+          </a:blip>
+          <a:srcRect l="21566" t="6556" r="34372"/>
+          <a:stretch/>
+        </p:blipFill>
+        <p:spPr>
+          <a:xfrm>
+            <a:off x="8619893" y="423746"/>
+            <a:ext cx="2687444" cy="7375315"/>
+          </a:xfrm>
+          <a:prstGeom prst="rect">
+            <a:avLst/>
+          </a:prstGeom>
+        </p:spPr>
+      </p:pic>
+    </p:spTree>
+    <p:extLst>
+      <p:ext uri="{BB962C8B-B14F-4D97-AF65-F5344CB8AC3E}">
+        <p14:creationId xmlns:p14="http://schemas.microsoft.com/office/powerpoint/2010/main" val="161018379"/>
+      </p:ext>
+    </p:extLst>
+  </p:cSld>
+  <p:clrMapOvr>
+    <a:masterClrMapping/>
+  </p:clrMapOvr>
 </p:sld>
 </file>
 

--- a/Technical_Report/Tech Report Figures.pptx
+++ b/Technical_Report/Tech Report Figures.pptx
@@ -198,7 +198,7 @@
           <a:p>
             <a:fld id="{9CDAC4D7-AC2B-4B96-A23C-9757BCC47876}" type="datetimeFigureOut">
               <a:rPr lang="en-US" smtClean="0"/>
-              <a:t>1/29/2024</a:t>
+              <a:t>2/14/2024</a:t>
             </a:fld>
             <a:endParaRPr lang="en-US"/>
           </a:p>
@@ -612,7 +612,7 @@
           <a:p>
             <a:fld id="{D8191CED-6AB1-44FE-A838-8EDD6EE5B6A0}" type="datetimeFigureOut">
               <a:rPr lang="en-US" smtClean="0"/>
-              <a:t>1/29/2024</a:t>
+              <a:t>2/14/2024</a:t>
             </a:fld>
             <a:endParaRPr lang="en-US"/>
           </a:p>
@@ -810,7 +810,7 @@
           <a:p>
             <a:fld id="{D8191CED-6AB1-44FE-A838-8EDD6EE5B6A0}" type="datetimeFigureOut">
               <a:rPr lang="en-US" smtClean="0"/>
-              <a:t>1/29/2024</a:t>
+              <a:t>2/14/2024</a:t>
             </a:fld>
             <a:endParaRPr lang="en-US"/>
           </a:p>
@@ -1018,7 +1018,7 @@
           <a:p>
             <a:fld id="{D8191CED-6AB1-44FE-A838-8EDD6EE5B6A0}" type="datetimeFigureOut">
               <a:rPr lang="en-US" smtClean="0"/>
-              <a:t>1/29/2024</a:t>
+              <a:t>2/14/2024</a:t>
             </a:fld>
             <a:endParaRPr lang="en-US"/>
           </a:p>
@@ -1216,7 +1216,7 @@
           <a:p>
             <a:fld id="{D8191CED-6AB1-44FE-A838-8EDD6EE5B6A0}" type="datetimeFigureOut">
               <a:rPr lang="en-US" smtClean="0"/>
-              <a:t>1/29/2024</a:t>
+              <a:t>2/14/2024</a:t>
             </a:fld>
             <a:endParaRPr lang="en-US"/>
           </a:p>
@@ -1491,7 +1491,7 @@
           <a:p>
             <a:fld id="{D8191CED-6AB1-44FE-A838-8EDD6EE5B6A0}" type="datetimeFigureOut">
               <a:rPr lang="en-US" smtClean="0"/>
-              <a:t>1/29/2024</a:t>
+              <a:t>2/14/2024</a:t>
             </a:fld>
             <a:endParaRPr lang="en-US"/>
           </a:p>
@@ -1756,7 +1756,7 @@
           <a:p>
             <a:fld id="{D8191CED-6AB1-44FE-A838-8EDD6EE5B6A0}" type="datetimeFigureOut">
               <a:rPr lang="en-US" smtClean="0"/>
-              <a:t>1/29/2024</a:t>
+              <a:t>2/14/2024</a:t>
             </a:fld>
             <a:endParaRPr lang="en-US"/>
           </a:p>
@@ -2168,7 +2168,7 @@
           <a:p>
             <a:fld id="{D8191CED-6AB1-44FE-A838-8EDD6EE5B6A0}" type="datetimeFigureOut">
               <a:rPr lang="en-US" smtClean="0"/>
-              <a:t>1/29/2024</a:t>
+              <a:t>2/14/2024</a:t>
             </a:fld>
             <a:endParaRPr lang="en-US"/>
           </a:p>
@@ -2309,7 +2309,7 @@
           <a:p>
             <a:fld id="{D8191CED-6AB1-44FE-A838-8EDD6EE5B6A0}" type="datetimeFigureOut">
               <a:rPr lang="en-US" smtClean="0"/>
-              <a:t>1/29/2024</a:t>
+              <a:t>2/14/2024</a:t>
             </a:fld>
             <a:endParaRPr lang="en-US"/>
           </a:p>
@@ -2422,7 +2422,7 @@
           <a:p>
             <a:fld id="{D8191CED-6AB1-44FE-A838-8EDD6EE5B6A0}" type="datetimeFigureOut">
               <a:rPr lang="en-US" smtClean="0"/>
-              <a:t>1/29/2024</a:t>
+              <a:t>2/14/2024</a:t>
             </a:fld>
             <a:endParaRPr lang="en-US"/>
           </a:p>
@@ -2733,7 +2733,7 @@
           <a:p>
             <a:fld id="{D8191CED-6AB1-44FE-A838-8EDD6EE5B6A0}" type="datetimeFigureOut">
               <a:rPr lang="en-US" smtClean="0"/>
-              <a:t>1/29/2024</a:t>
+              <a:t>2/14/2024</a:t>
             </a:fld>
             <a:endParaRPr lang="en-US"/>
           </a:p>
@@ -3021,7 +3021,7 @@
           <a:p>
             <a:fld id="{D8191CED-6AB1-44FE-A838-8EDD6EE5B6A0}" type="datetimeFigureOut">
               <a:rPr lang="en-US" smtClean="0"/>
-              <a:t>1/29/2024</a:t>
+              <a:t>2/14/2024</a:t>
             </a:fld>
             <a:endParaRPr lang="en-US"/>
           </a:p>
@@ -3262,7 +3262,7 @@
           <a:p>
             <a:fld id="{D8191CED-6AB1-44FE-A838-8EDD6EE5B6A0}" type="datetimeFigureOut">
               <a:rPr lang="en-US" smtClean="0"/>
-              <a:t>1/29/2024</a:t>
+              <a:t>2/14/2024</a:t>
             </a:fld>
             <a:endParaRPr lang="en-US"/>
           </a:p>
@@ -4087,7 +4087,7 @@
         </p:blipFill>
         <p:spPr>
           <a:xfrm>
-            <a:off x="5172501" y="98082"/>
+            <a:off x="3922542" y="165194"/>
             <a:ext cx="2238233" cy="6759918"/>
           </a:xfrm>
           <a:prstGeom prst="rect">
@@ -4122,7 +4122,7 @@
         </p:blipFill>
         <p:spPr>
           <a:xfrm>
-            <a:off x="8619893" y="423746"/>
+            <a:off x="8200444" y="165194"/>
             <a:ext cx="2687444" cy="7375315"/>
           </a:xfrm>
           <a:prstGeom prst="rect">

--- a/Technical_Report/Tech Report Figures.pptx
+++ b/Technical_Report/Tech Report Figures.pptx
@@ -5,11 +5,13 @@
     <p:sldMasterId id="2147483648" r:id="rId1"/>
   </p:sldMasterIdLst>
   <p:notesMasterIdLst>
-    <p:notesMasterId r:id="rId4"/>
+    <p:notesMasterId r:id="rId6"/>
   </p:notesMasterIdLst>
   <p:sldIdLst>
     <p:sldId id="798" r:id="rId2"/>
     <p:sldId id="799" r:id="rId3"/>
+    <p:sldId id="800" r:id="rId4"/>
+    <p:sldId id="801" r:id="rId5"/>
   </p:sldIdLst>
   <p:sldSz cx="12192000" cy="6858000"/>
   <p:notesSz cx="6858000" cy="9144000"/>
@@ -4062,10 +4064,502 @@
       </p:grpSpPr>
       <p:pic>
         <p:nvPicPr>
-          <p:cNvPr id="6" name="Picture 5">
-            <a:extLst>
-              <a:ext uri="{FF2B5EF4-FFF2-40B4-BE49-F238E27FC236}">
-                <a16:creationId xmlns:a16="http://schemas.microsoft.com/office/drawing/2014/main" id="{D7D96701-2092-4447-95EB-5C626431178E}"/>
+          <p:cNvPr id="7" name="Picture 6">
+            <a:extLst>
+              <a:ext uri="{FF2B5EF4-FFF2-40B4-BE49-F238E27FC236}">
+                <a16:creationId xmlns:a16="http://schemas.microsoft.com/office/drawing/2014/main" id="{3938211D-DACE-448F-A3BD-77AEBF5F7810}"/>
+              </a:ext>
+            </a:extLst>
+          </p:cNvPr>
+          <p:cNvPicPr>
+            <a:picLocks noChangeAspect="1"/>
+          </p:cNvPicPr>
+          <p:nvPr/>
+        </p:nvPicPr>
+        <p:blipFill>
+          <a:blip r:embed="rId2"/>
+          <a:stretch>
+            <a:fillRect/>
+          </a:stretch>
+        </p:blipFill>
+        <p:spPr>
+          <a:xfrm>
+            <a:off x="3914153" y="0"/>
+            <a:ext cx="2296718" cy="6858000"/>
+          </a:xfrm>
+          <a:prstGeom prst="rect">
+            <a:avLst/>
+          </a:prstGeom>
+        </p:spPr>
+      </p:pic>
+      <p:sp>
+        <p:nvSpPr>
+          <p:cNvPr id="2" name="TextBox 1">
+            <a:extLst>
+              <a:ext uri="{FF2B5EF4-FFF2-40B4-BE49-F238E27FC236}">
+                <a16:creationId xmlns:a16="http://schemas.microsoft.com/office/drawing/2014/main" id="{02780D60-EAD9-49DE-960B-ECE3B9B4E370}"/>
+              </a:ext>
+            </a:extLst>
+          </p:cNvPr>
+          <p:cNvSpPr txBox="1"/>
+          <p:nvPr/>
+        </p:nvSpPr>
+        <p:spPr>
+          <a:xfrm>
+            <a:off x="6536787" y="385785"/>
+            <a:ext cx="317716" cy="369332"/>
+          </a:xfrm>
+          <a:prstGeom prst="rect">
+            <a:avLst/>
+          </a:prstGeom>
+          <a:noFill/>
+        </p:spPr>
+        <p:txBody>
+          <a:bodyPr wrap="none" rtlCol="0">
+            <a:spAutoFit/>
+          </a:bodyPr>
+          <a:lstStyle/>
+          <a:p>
+            <a:r>
+              <a:rPr lang="en-US" dirty="0"/>
+              <a:t>A</a:t>
+            </a:r>
+          </a:p>
+        </p:txBody>
+      </p:sp>
+      <p:cxnSp>
+        <p:nvCxnSpPr>
+          <p:cNvPr id="4" name="Straight Arrow Connector 3">
+            <a:extLst>
+              <a:ext uri="{FF2B5EF4-FFF2-40B4-BE49-F238E27FC236}">
+                <a16:creationId xmlns:a16="http://schemas.microsoft.com/office/drawing/2014/main" id="{C07D5880-4019-4C56-95E7-FA3783811039}"/>
+              </a:ext>
+            </a:extLst>
+          </p:cNvPr>
+          <p:cNvCxnSpPr>
+            <a:cxnSpLocks/>
+          </p:cNvCxnSpPr>
+          <p:nvPr/>
+        </p:nvCxnSpPr>
+        <p:spPr>
+          <a:xfrm flipH="1">
+            <a:off x="5335421" y="570451"/>
+            <a:ext cx="1090546" cy="1"/>
+          </a:xfrm>
+          <a:prstGeom prst="straightConnector1">
+            <a:avLst/>
+          </a:prstGeom>
+          <a:ln w="28575">
+            <a:solidFill>
+              <a:schemeClr val="tx1"/>
+            </a:solidFill>
+            <a:tailEnd type="triangle"/>
+          </a:ln>
+          <a:effectLst>
+            <a:glow rad="38100">
+              <a:schemeClr val="bg1"/>
+            </a:glow>
+          </a:effectLst>
+        </p:spPr>
+        <p:style>
+          <a:lnRef idx="1">
+            <a:schemeClr val="accent1"/>
+          </a:lnRef>
+          <a:fillRef idx="0">
+            <a:schemeClr val="accent1"/>
+          </a:fillRef>
+          <a:effectRef idx="0">
+            <a:schemeClr val="accent1"/>
+          </a:effectRef>
+          <a:fontRef idx="minor">
+            <a:schemeClr val="tx1"/>
+          </a:fontRef>
+        </p:style>
+      </p:cxnSp>
+      <p:pic>
+        <p:nvPicPr>
+          <p:cNvPr id="10" name="Picture 9">
+            <a:extLst>
+              <a:ext uri="{FF2B5EF4-FFF2-40B4-BE49-F238E27FC236}">
+                <a16:creationId xmlns:a16="http://schemas.microsoft.com/office/drawing/2014/main" id="{85A4C6D6-98CD-4A87-BCD7-8CBE33813E20}"/>
+              </a:ext>
+            </a:extLst>
+          </p:cNvPr>
+          <p:cNvPicPr>
+            <a:picLocks noChangeAspect="1"/>
+          </p:cNvPicPr>
+          <p:nvPr/>
+        </p:nvPicPr>
+        <p:blipFill>
+          <a:blip r:embed="rId3"/>
+          <a:stretch>
+            <a:fillRect/>
+          </a:stretch>
+        </p:blipFill>
+        <p:spPr>
+          <a:xfrm>
+            <a:off x="7075424" y="0"/>
+            <a:ext cx="2167904" cy="6858000"/>
+          </a:xfrm>
+          <a:prstGeom prst="rect">
+            <a:avLst/>
+          </a:prstGeom>
+        </p:spPr>
+      </p:pic>
+      <p:cxnSp>
+        <p:nvCxnSpPr>
+          <p:cNvPr id="13" name="Straight Arrow Connector 12">
+            <a:extLst>
+              <a:ext uri="{FF2B5EF4-FFF2-40B4-BE49-F238E27FC236}">
+                <a16:creationId xmlns:a16="http://schemas.microsoft.com/office/drawing/2014/main" id="{2E4A77FD-AB59-4C50-AABA-BCDF9D351454}"/>
+              </a:ext>
+            </a:extLst>
+          </p:cNvPr>
+          <p:cNvCxnSpPr>
+            <a:cxnSpLocks/>
+          </p:cNvCxnSpPr>
+          <p:nvPr/>
+        </p:nvCxnSpPr>
+        <p:spPr>
+          <a:xfrm flipH="1">
+            <a:off x="6016329" y="3365384"/>
+            <a:ext cx="409638" cy="0"/>
+          </a:xfrm>
+          <a:prstGeom prst="straightConnector1">
+            <a:avLst/>
+          </a:prstGeom>
+          <a:ln w="28575">
+            <a:solidFill>
+              <a:schemeClr val="tx1"/>
+            </a:solidFill>
+            <a:tailEnd type="triangle"/>
+          </a:ln>
+          <a:effectLst>
+            <a:glow rad="38100">
+              <a:schemeClr val="bg1"/>
+            </a:glow>
+          </a:effectLst>
+        </p:spPr>
+        <p:style>
+          <a:lnRef idx="1">
+            <a:schemeClr val="accent1"/>
+          </a:lnRef>
+          <a:fillRef idx="0">
+            <a:schemeClr val="accent1"/>
+          </a:fillRef>
+          <a:effectRef idx="0">
+            <a:schemeClr val="accent1"/>
+          </a:effectRef>
+          <a:fontRef idx="minor">
+            <a:schemeClr val="tx1"/>
+          </a:fontRef>
+        </p:style>
+      </p:cxnSp>
+      <p:cxnSp>
+        <p:nvCxnSpPr>
+          <p:cNvPr id="15" name="Straight Arrow Connector 14">
+            <a:extLst>
+              <a:ext uri="{FF2B5EF4-FFF2-40B4-BE49-F238E27FC236}">
+                <a16:creationId xmlns:a16="http://schemas.microsoft.com/office/drawing/2014/main" id="{46C12358-4C20-4AC7-8F04-F52AA9DCDD48}"/>
+              </a:ext>
+            </a:extLst>
+          </p:cNvPr>
+          <p:cNvCxnSpPr>
+            <a:cxnSpLocks/>
+          </p:cNvCxnSpPr>
+          <p:nvPr/>
+        </p:nvCxnSpPr>
+        <p:spPr>
+          <a:xfrm flipH="1">
+            <a:off x="5575542" y="4566409"/>
+            <a:ext cx="850425" cy="0"/>
+          </a:xfrm>
+          <a:prstGeom prst="straightConnector1">
+            <a:avLst/>
+          </a:prstGeom>
+          <a:ln w="28575">
+            <a:solidFill>
+              <a:schemeClr val="tx1"/>
+            </a:solidFill>
+            <a:tailEnd type="triangle"/>
+          </a:ln>
+          <a:effectLst>
+            <a:glow rad="38100">
+              <a:schemeClr val="bg1"/>
+            </a:glow>
+          </a:effectLst>
+        </p:spPr>
+        <p:style>
+          <a:lnRef idx="1">
+            <a:schemeClr val="accent1"/>
+          </a:lnRef>
+          <a:fillRef idx="0">
+            <a:schemeClr val="accent1"/>
+          </a:fillRef>
+          <a:effectRef idx="0">
+            <a:schemeClr val="accent1"/>
+          </a:effectRef>
+          <a:fontRef idx="minor">
+            <a:schemeClr val="tx1"/>
+          </a:fontRef>
+        </p:style>
+      </p:cxnSp>
+      <p:sp>
+        <p:nvSpPr>
+          <p:cNvPr id="21" name="TextBox 20">
+            <a:extLst>
+              <a:ext uri="{FF2B5EF4-FFF2-40B4-BE49-F238E27FC236}">
+                <a16:creationId xmlns:a16="http://schemas.microsoft.com/office/drawing/2014/main" id="{35997CFF-9B53-46F4-A1F2-0850AA08A023}"/>
+              </a:ext>
+            </a:extLst>
+          </p:cNvPr>
+          <p:cNvSpPr txBox="1"/>
+          <p:nvPr/>
+        </p:nvSpPr>
+        <p:spPr>
+          <a:xfrm>
+            <a:off x="6452364" y="3180718"/>
+            <a:ext cx="317716" cy="369332"/>
+          </a:xfrm>
+          <a:prstGeom prst="rect">
+            <a:avLst/>
+          </a:prstGeom>
+          <a:noFill/>
+        </p:spPr>
+        <p:txBody>
+          <a:bodyPr wrap="none" rtlCol="0">
+            <a:spAutoFit/>
+          </a:bodyPr>
+          <a:lstStyle/>
+          <a:p>
+            <a:r>
+              <a:rPr lang="en-US" dirty="0"/>
+              <a:t>B</a:t>
+            </a:r>
+          </a:p>
+        </p:txBody>
+      </p:sp>
+      <p:sp>
+        <p:nvSpPr>
+          <p:cNvPr id="22" name="TextBox 21">
+            <a:extLst>
+              <a:ext uri="{FF2B5EF4-FFF2-40B4-BE49-F238E27FC236}">
+                <a16:creationId xmlns:a16="http://schemas.microsoft.com/office/drawing/2014/main" id="{D224E52C-2F10-4DBA-9A7C-2A4FE6B30E35}"/>
+              </a:ext>
+            </a:extLst>
+          </p:cNvPr>
+          <p:cNvSpPr txBox="1"/>
+          <p:nvPr/>
+        </p:nvSpPr>
+        <p:spPr>
+          <a:xfrm>
+            <a:off x="6425967" y="4381743"/>
+            <a:ext cx="308098" cy="369332"/>
+          </a:xfrm>
+          <a:prstGeom prst="rect">
+            <a:avLst/>
+          </a:prstGeom>
+          <a:noFill/>
+        </p:spPr>
+        <p:txBody>
+          <a:bodyPr wrap="none" rtlCol="0">
+            <a:spAutoFit/>
+          </a:bodyPr>
+          <a:lstStyle/>
+          <a:p>
+            <a:r>
+              <a:rPr lang="en-US" dirty="0"/>
+              <a:t>C</a:t>
+            </a:r>
+          </a:p>
+        </p:txBody>
+      </p:sp>
+      <p:cxnSp>
+        <p:nvCxnSpPr>
+          <p:cNvPr id="23" name="Straight Arrow Connector 22">
+            <a:extLst>
+              <a:ext uri="{FF2B5EF4-FFF2-40B4-BE49-F238E27FC236}">
+                <a16:creationId xmlns:a16="http://schemas.microsoft.com/office/drawing/2014/main" id="{AB58D1BB-07E3-4B0C-A748-9A29412E2D43}"/>
+              </a:ext>
+            </a:extLst>
+          </p:cNvPr>
+          <p:cNvCxnSpPr>
+            <a:cxnSpLocks/>
+            <a:stCxn id="21" idx="3"/>
+          </p:cNvCxnSpPr>
+          <p:nvPr/>
+        </p:nvCxnSpPr>
+        <p:spPr>
+          <a:xfrm>
+            <a:off x="6770080" y="3365384"/>
+            <a:ext cx="410896" cy="0"/>
+          </a:xfrm>
+          <a:prstGeom prst="straightConnector1">
+            <a:avLst/>
+          </a:prstGeom>
+          <a:ln w="28575">
+            <a:solidFill>
+              <a:schemeClr val="tx1"/>
+            </a:solidFill>
+            <a:tailEnd type="triangle"/>
+          </a:ln>
+          <a:effectLst>
+            <a:glow rad="38100">
+              <a:schemeClr val="bg1"/>
+            </a:glow>
+          </a:effectLst>
+        </p:spPr>
+        <p:style>
+          <a:lnRef idx="1">
+            <a:schemeClr val="accent1"/>
+          </a:lnRef>
+          <a:fillRef idx="0">
+            <a:schemeClr val="accent1"/>
+          </a:fillRef>
+          <a:effectRef idx="0">
+            <a:schemeClr val="accent1"/>
+          </a:effectRef>
+          <a:fontRef idx="minor">
+            <a:schemeClr val="tx1"/>
+          </a:fontRef>
+        </p:style>
+      </p:cxnSp>
+      <p:cxnSp>
+        <p:nvCxnSpPr>
+          <p:cNvPr id="26" name="Straight Arrow Connector 25">
+            <a:extLst>
+              <a:ext uri="{FF2B5EF4-FFF2-40B4-BE49-F238E27FC236}">
+                <a16:creationId xmlns:a16="http://schemas.microsoft.com/office/drawing/2014/main" id="{513BC30C-2564-4AD0-8636-C7BB314C805D}"/>
+              </a:ext>
+            </a:extLst>
+          </p:cNvPr>
+          <p:cNvCxnSpPr>
+            <a:cxnSpLocks/>
+            <a:stCxn id="22" idx="3"/>
+          </p:cNvCxnSpPr>
+          <p:nvPr/>
+        </p:nvCxnSpPr>
+        <p:spPr>
+          <a:xfrm flipV="1">
+            <a:off x="6734065" y="4381743"/>
+            <a:ext cx="975418" cy="184666"/>
+          </a:xfrm>
+          <a:prstGeom prst="straightConnector1">
+            <a:avLst/>
+          </a:prstGeom>
+          <a:ln w="28575">
+            <a:solidFill>
+              <a:schemeClr val="tx1"/>
+            </a:solidFill>
+            <a:tailEnd type="triangle"/>
+          </a:ln>
+          <a:effectLst>
+            <a:glow rad="38100">
+              <a:schemeClr val="bg1"/>
+            </a:glow>
+          </a:effectLst>
+        </p:spPr>
+        <p:style>
+          <a:lnRef idx="1">
+            <a:schemeClr val="accent1"/>
+          </a:lnRef>
+          <a:fillRef idx="0">
+            <a:schemeClr val="accent1"/>
+          </a:fillRef>
+          <a:effectRef idx="0">
+            <a:schemeClr val="accent1"/>
+          </a:effectRef>
+          <a:fontRef idx="minor">
+            <a:schemeClr val="tx1"/>
+          </a:fontRef>
+        </p:style>
+      </p:cxnSp>
+      <p:cxnSp>
+        <p:nvCxnSpPr>
+          <p:cNvPr id="31" name="Straight Arrow Connector 30">
+            <a:extLst>
+              <a:ext uri="{FF2B5EF4-FFF2-40B4-BE49-F238E27FC236}">
+                <a16:creationId xmlns:a16="http://schemas.microsoft.com/office/drawing/2014/main" id="{79833C59-48D6-4D49-9D01-FB049340C29B}"/>
+              </a:ext>
+            </a:extLst>
+          </p:cNvPr>
+          <p:cNvCxnSpPr>
+            <a:cxnSpLocks/>
+            <a:stCxn id="2" idx="3"/>
+          </p:cNvCxnSpPr>
+          <p:nvPr/>
+        </p:nvCxnSpPr>
+        <p:spPr>
+          <a:xfrm>
+            <a:off x="6854503" y="570451"/>
+            <a:ext cx="1089871" cy="276998"/>
+          </a:xfrm>
+          <a:prstGeom prst="straightConnector1">
+            <a:avLst/>
+          </a:prstGeom>
+          <a:ln w="28575">
+            <a:solidFill>
+              <a:schemeClr val="tx1"/>
+            </a:solidFill>
+            <a:tailEnd type="triangle"/>
+          </a:ln>
+          <a:effectLst>
+            <a:glow rad="38100">
+              <a:schemeClr val="bg1"/>
+            </a:glow>
+          </a:effectLst>
+        </p:spPr>
+        <p:style>
+          <a:lnRef idx="1">
+            <a:schemeClr val="accent1"/>
+          </a:lnRef>
+          <a:fillRef idx="0">
+            <a:schemeClr val="accent1"/>
+          </a:fillRef>
+          <a:effectRef idx="0">
+            <a:schemeClr val="accent1"/>
+          </a:effectRef>
+          <a:fontRef idx="minor">
+            <a:schemeClr val="tx1"/>
+          </a:fontRef>
+        </p:style>
+      </p:cxnSp>
+    </p:spTree>
+    <p:extLst>
+      <p:ext uri="{BB962C8B-B14F-4D97-AF65-F5344CB8AC3E}">
+        <p14:creationId xmlns:p14="http://schemas.microsoft.com/office/powerpoint/2010/main" val="161018379"/>
+      </p:ext>
+    </p:extLst>
+  </p:cSld>
+  <p:clrMapOvr>
+    <a:masterClrMapping/>
+  </p:clrMapOvr>
+</p:sld>
+</file>
+
+<file path=ppt/slides/slide3.xml><?xml version="1.0" encoding="utf-8"?>
+<p:sld xmlns:a="http://schemas.openxmlformats.org/drawingml/2006/main" xmlns:r="http://schemas.openxmlformats.org/officeDocument/2006/relationships" xmlns:p="http://schemas.openxmlformats.org/presentationml/2006/main">
+  <p:cSld>
+    <p:spTree>
+      <p:nvGrpSpPr>
+        <p:cNvPr id="1" name=""/>
+        <p:cNvGrpSpPr/>
+        <p:nvPr/>
+      </p:nvGrpSpPr>
+      <p:grpSpPr>
+        <a:xfrm>
+          <a:off x="0" y="0"/>
+          <a:ext cx="0" cy="0"/>
+          <a:chOff x="0" y="0"/>
+          <a:chExt cx="0" cy="0"/>
+        </a:xfrm>
+      </p:grpSpPr>
+      <p:pic>
+        <p:nvPicPr>
+          <p:cNvPr id="2" name="Picture 1">
+            <a:extLst>
+              <a:ext uri="{FF2B5EF4-FFF2-40B4-BE49-F238E27FC236}">
+                <a16:creationId xmlns:a16="http://schemas.microsoft.com/office/drawing/2014/main" id="{C3EABD91-0E68-467B-9C99-BD9AEE916024}"/>
               </a:ext>
             </a:extLst>
           </p:cNvPr>
@@ -4075,32 +4569,1077 @@
           <p:nvPr/>
         </p:nvPicPr>
         <p:blipFill rotWithShape="1">
-          <a:blip r:embed="rId2">
-            <a:extLst>
-              <a:ext uri="{28A0092B-C50C-407E-A947-70E740481C1C}">
-                <a14:useLocalDpi xmlns:a14="http://schemas.microsoft.com/office/drawing/2010/main" val="0"/>
-              </a:ext>
-            </a:extLst>
-          </a:blip>
-          <a:srcRect l="34026" t="10746" r="27733"/>
+          <a:blip r:embed="rId2"/>
+          <a:srcRect l="1697"/>
           <a:stretch/>
         </p:blipFill>
         <p:spPr>
           <a:xfrm>
-            <a:off x="3922542" y="165194"/>
-            <a:ext cx="2238233" cy="6759918"/>
+            <a:off x="4278385" y="0"/>
+            <a:ext cx="3699090" cy="6858000"/>
           </a:xfrm>
           <a:prstGeom prst="rect">
             <a:avLst/>
           </a:prstGeom>
         </p:spPr>
       </p:pic>
+      <p:sp>
+        <p:nvSpPr>
+          <p:cNvPr id="3" name="TextBox 2">
+            <a:extLst>
+              <a:ext uri="{FF2B5EF4-FFF2-40B4-BE49-F238E27FC236}">
+                <a16:creationId xmlns:a16="http://schemas.microsoft.com/office/drawing/2014/main" id="{AE1033EA-1A3B-45DD-9F88-EF7639FA326D}"/>
+              </a:ext>
+            </a:extLst>
+          </p:cNvPr>
+          <p:cNvSpPr txBox="1"/>
+          <p:nvPr/>
+        </p:nvSpPr>
+        <p:spPr>
+          <a:xfrm>
+            <a:off x="3481938" y="2038417"/>
+            <a:ext cx="296876" cy="369332"/>
+          </a:xfrm>
+          <a:prstGeom prst="rect">
+            <a:avLst/>
+          </a:prstGeom>
+          <a:noFill/>
+        </p:spPr>
+        <p:txBody>
+          <a:bodyPr wrap="none" rtlCol="0">
+            <a:spAutoFit/>
+          </a:bodyPr>
+          <a:lstStyle/>
+          <a:p>
+            <a:pPr algn="ctr"/>
+            <a:r>
+              <a:rPr lang="en-US" dirty="0"/>
+              <a:t>E</a:t>
+            </a:r>
+          </a:p>
+        </p:txBody>
+      </p:sp>
+      <p:cxnSp>
+        <p:nvCxnSpPr>
+          <p:cNvPr id="4" name="Straight Arrow Connector 3">
+            <a:extLst>
+              <a:ext uri="{FF2B5EF4-FFF2-40B4-BE49-F238E27FC236}">
+                <a16:creationId xmlns:a16="http://schemas.microsoft.com/office/drawing/2014/main" id="{3CB0BBF5-CFF7-4BAE-B6E8-2382638B4A14}"/>
+              </a:ext>
+            </a:extLst>
+          </p:cNvPr>
+          <p:cNvCxnSpPr>
+            <a:cxnSpLocks/>
+          </p:cNvCxnSpPr>
+          <p:nvPr/>
+        </p:nvCxnSpPr>
+        <p:spPr>
+          <a:xfrm flipV="1">
+            <a:off x="3775742" y="1954635"/>
+            <a:ext cx="1953939" cy="705108"/>
+          </a:xfrm>
+          <a:prstGeom prst="straightConnector1">
+            <a:avLst/>
+          </a:prstGeom>
+          <a:ln w="28575">
+            <a:solidFill>
+              <a:schemeClr val="tx1"/>
+            </a:solidFill>
+            <a:tailEnd type="triangle"/>
+          </a:ln>
+          <a:effectLst>
+            <a:glow rad="38100">
+              <a:schemeClr val="bg1"/>
+            </a:glow>
+          </a:effectLst>
+        </p:spPr>
+        <p:style>
+          <a:lnRef idx="1">
+            <a:schemeClr val="accent1"/>
+          </a:lnRef>
+          <a:fillRef idx="0">
+            <a:schemeClr val="accent1"/>
+          </a:fillRef>
+          <a:effectRef idx="0">
+            <a:schemeClr val="accent1"/>
+          </a:effectRef>
+          <a:fontRef idx="minor">
+            <a:schemeClr val="tx1"/>
+          </a:fontRef>
+        </p:style>
+      </p:cxnSp>
+      <p:cxnSp>
+        <p:nvCxnSpPr>
+          <p:cNvPr id="8" name="Straight Arrow Connector 7">
+            <a:extLst>
+              <a:ext uri="{FF2B5EF4-FFF2-40B4-BE49-F238E27FC236}">
+                <a16:creationId xmlns:a16="http://schemas.microsoft.com/office/drawing/2014/main" id="{1E6585D6-D8ED-4A46-A975-2965BC2B982F}"/>
+              </a:ext>
+            </a:extLst>
+          </p:cNvPr>
+          <p:cNvCxnSpPr>
+            <a:cxnSpLocks/>
+          </p:cNvCxnSpPr>
+          <p:nvPr/>
+        </p:nvCxnSpPr>
+        <p:spPr>
+          <a:xfrm>
+            <a:off x="3775744" y="758558"/>
+            <a:ext cx="1695277" cy="325021"/>
+          </a:xfrm>
+          <a:prstGeom prst="straightConnector1">
+            <a:avLst/>
+          </a:prstGeom>
+          <a:ln w="28575">
+            <a:solidFill>
+              <a:schemeClr val="tx1"/>
+            </a:solidFill>
+            <a:tailEnd type="triangle"/>
+          </a:ln>
+          <a:effectLst>
+            <a:glow rad="38100">
+              <a:schemeClr val="bg1"/>
+            </a:glow>
+          </a:effectLst>
+        </p:spPr>
+        <p:style>
+          <a:lnRef idx="1">
+            <a:schemeClr val="accent1"/>
+          </a:lnRef>
+          <a:fillRef idx="0">
+            <a:schemeClr val="accent1"/>
+          </a:fillRef>
+          <a:effectRef idx="0">
+            <a:schemeClr val="accent1"/>
+          </a:effectRef>
+          <a:fontRef idx="minor">
+            <a:schemeClr val="tx1"/>
+          </a:fontRef>
+        </p:style>
+      </p:cxnSp>
+      <p:cxnSp>
+        <p:nvCxnSpPr>
+          <p:cNvPr id="13" name="Straight Arrow Connector 12">
+            <a:extLst>
+              <a:ext uri="{FF2B5EF4-FFF2-40B4-BE49-F238E27FC236}">
+                <a16:creationId xmlns:a16="http://schemas.microsoft.com/office/drawing/2014/main" id="{A9220333-4CEA-437F-8257-39B43E176E37}"/>
+              </a:ext>
+            </a:extLst>
+          </p:cNvPr>
+          <p:cNvCxnSpPr>
+            <a:cxnSpLocks/>
+          </p:cNvCxnSpPr>
+          <p:nvPr/>
+        </p:nvCxnSpPr>
+        <p:spPr>
+          <a:xfrm>
+            <a:off x="3775743" y="1167361"/>
+            <a:ext cx="976969" cy="241239"/>
+          </a:xfrm>
+          <a:prstGeom prst="straightConnector1">
+            <a:avLst/>
+          </a:prstGeom>
+          <a:ln w="28575">
+            <a:solidFill>
+              <a:schemeClr val="tx1"/>
+            </a:solidFill>
+            <a:tailEnd type="triangle"/>
+          </a:ln>
+          <a:effectLst>
+            <a:glow rad="38100">
+              <a:schemeClr val="bg1"/>
+            </a:glow>
+          </a:effectLst>
+        </p:spPr>
+        <p:style>
+          <a:lnRef idx="1">
+            <a:schemeClr val="accent1"/>
+          </a:lnRef>
+          <a:fillRef idx="0">
+            <a:schemeClr val="accent1"/>
+          </a:fillRef>
+          <a:effectRef idx="0">
+            <a:schemeClr val="accent1"/>
+          </a:effectRef>
+          <a:fontRef idx="minor">
+            <a:schemeClr val="tx1"/>
+          </a:fontRef>
+        </p:style>
+      </p:cxnSp>
+      <p:cxnSp>
+        <p:nvCxnSpPr>
+          <p:cNvPr id="15" name="Straight Arrow Connector 14">
+            <a:extLst>
+              <a:ext uri="{FF2B5EF4-FFF2-40B4-BE49-F238E27FC236}">
+                <a16:creationId xmlns:a16="http://schemas.microsoft.com/office/drawing/2014/main" id="{83763046-5491-4B3B-B3BF-3929F2A27D1F}"/>
+              </a:ext>
+            </a:extLst>
+          </p:cNvPr>
+          <p:cNvCxnSpPr>
+            <a:cxnSpLocks/>
+          </p:cNvCxnSpPr>
+          <p:nvPr/>
+        </p:nvCxnSpPr>
+        <p:spPr>
+          <a:xfrm>
+            <a:off x="3775742" y="1576164"/>
+            <a:ext cx="687201" cy="137232"/>
+          </a:xfrm>
+          <a:prstGeom prst="straightConnector1">
+            <a:avLst/>
+          </a:prstGeom>
+          <a:ln w="28575">
+            <a:solidFill>
+              <a:schemeClr val="tx1"/>
+            </a:solidFill>
+            <a:tailEnd type="triangle"/>
+          </a:ln>
+          <a:effectLst>
+            <a:glow rad="38100">
+              <a:schemeClr val="bg1"/>
+            </a:glow>
+          </a:effectLst>
+        </p:spPr>
+        <p:style>
+          <a:lnRef idx="1">
+            <a:schemeClr val="accent1"/>
+          </a:lnRef>
+          <a:fillRef idx="0">
+            <a:schemeClr val="accent1"/>
+          </a:fillRef>
+          <a:effectRef idx="0">
+            <a:schemeClr val="accent1"/>
+          </a:effectRef>
+          <a:fontRef idx="minor">
+            <a:schemeClr val="tx1"/>
+          </a:fontRef>
+        </p:style>
+      </p:cxnSp>
+      <p:cxnSp>
+        <p:nvCxnSpPr>
+          <p:cNvPr id="17" name="Straight Arrow Connector 16">
+            <a:extLst>
+              <a:ext uri="{FF2B5EF4-FFF2-40B4-BE49-F238E27FC236}">
+                <a16:creationId xmlns:a16="http://schemas.microsoft.com/office/drawing/2014/main" id="{5FA890B6-6C6E-4E71-8BAC-E7D5A6D016D2}"/>
+              </a:ext>
+            </a:extLst>
+          </p:cNvPr>
+          <p:cNvCxnSpPr>
+            <a:cxnSpLocks/>
+          </p:cNvCxnSpPr>
+          <p:nvPr/>
+        </p:nvCxnSpPr>
+        <p:spPr>
+          <a:xfrm flipV="1">
+            <a:off x="3775742" y="3667976"/>
+            <a:ext cx="976970" cy="0"/>
+          </a:xfrm>
+          <a:prstGeom prst="straightConnector1">
+            <a:avLst/>
+          </a:prstGeom>
+          <a:ln w="28575">
+            <a:solidFill>
+              <a:schemeClr val="tx1"/>
+            </a:solidFill>
+            <a:tailEnd type="triangle"/>
+          </a:ln>
+          <a:effectLst>
+            <a:glow rad="38100">
+              <a:schemeClr val="bg1"/>
+            </a:glow>
+          </a:effectLst>
+        </p:spPr>
+        <p:style>
+          <a:lnRef idx="1">
+            <a:schemeClr val="accent1"/>
+          </a:lnRef>
+          <a:fillRef idx="0">
+            <a:schemeClr val="accent1"/>
+          </a:fillRef>
+          <a:effectRef idx="0">
+            <a:schemeClr val="accent1"/>
+          </a:effectRef>
+          <a:fontRef idx="minor">
+            <a:schemeClr val="tx1"/>
+          </a:fontRef>
+        </p:style>
+      </p:cxnSp>
+      <p:cxnSp>
+        <p:nvCxnSpPr>
+          <p:cNvPr id="19" name="Straight Arrow Connector 18">
+            <a:extLst>
+              <a:ext uri="{FF2B5EF4-FFF2-40B4-BE49-F238E27FC236}">
+                <a16:creationId xmlns:a16="http://schemas.microsoft.com/office/drawing/2014/main" id="{BE900355-F6F7-4173-AA0E-7274E0DCE07F}"/>
+              </a:ext>
+            </a:extLst>
+          </p:cNvPr>
+          <p:cNvCxnSpPr>
+            <a:cxnSpLocks/>
+          </p:cNvCxnSpPr>
+          <p:nvPr/>
+        </p:nvCxnSpPr>
+        <p:spPr>
+          <a:xfrm flipV="1">
+            <a:off x="3775742" y="4177719"/>
+            <a:ext cx="1914183" cy="0"/>
+          </a:xfrm>
+          <a:prstGeom prst="straightConnector1">
+            <a:avLst/>
+          </a:prstGeom>
+          <a:ln w="28575">
+            <a:solidFill>
+              <a:schemeClr val="tx1"/>
+            </a:solidFill>
+            <a:tailEnd type="triangle"/>
+          </a:ln>
+          <a:effectLst>
+            <a:glow rad="38100">
+              <a:schemeClr val="bg1"/>
+            </a:glow>
+          </a:effectLst>
+        </p:spPr>
+        <p:style>
+          <a:lnRef idx="1">
+            <a:schemeClr val="accent1"/>
+          </a:lnRef>
+          <a:fillRef idx="0">
+            <a:schemeClr val="accent1"/>
+          </a:fillRef>
+          <a:effectRef idx="0">
+            <a:schemeClr val="accent1"/>
+          </a:effectRef>
+          <a:fontRef idx="minor">
+            <a:schemeClr val="tx1"/>
+          </a:fontRef>
+        </p:style>
+      </p:cxnSp>
+      <p:cxnSp>
+        <p:nvCxnSpPr>
+          <p:cNvPr id="22" name="Straight Arrow Connector 21">
+            <a:extLst>
+              <a:ext uri="{FF2B5EF4-FFF2-40B4-BE49-F238E27FC236}">
+                <a16:creationId xmlns:a16="http://schemas.microsoft.com/office/drawing/2014/main" id="{14A45FBF-9A85-4DAC-887E-DA397186538E}"/>
+              </a:ext>
+            </a:extLst>
+          </p:cNvPr>
+          <p:cNvCxnSpPr>
+            <a:cxnSpLocks/>
+          </p:cNvCxnSpPr>
+          <p:nvPr/>
+        </p:nvCxnSpPr>
+        <p:spPr>
+          <a:xfrm flipV="1">
+            <a:off x="3775742" y="5151074"/>
+            <a:ext cx="1804731" cy="0"/>
+          </a:xfrm>
+          <a:prstGeom prst="straightConnector1">
+            <a:avLst/>
+          </a:prstGeom>
+          <a:ln w="28575">
+            <a:solidFill>
+              <a:schemeClr val="tx1"/>
+            </a:solidFill>
+            <a:tailEnd type="triangle"/>
+          </a:ln>
+          <a:effectLst>
+            <a:glow rad="38100">
+              <a:schemeClr val="bg1"/>
+            </a:glow>
+          </a:effectLst>
+        </p:spPr>
+        <p:style>
+          <a:lnRef idx="1">
+            <a:schemeClr val="accent1"/>
+          </a:lnRef>
+          <a:fillRef idx="0">
+            <a:schemeClr val="accent1"/>
+          </a:fillRef>
+          <a:effectRef idx="0">
+            <a:schemeClr val="accent1"/>
+          </a:effectRef>
+          <a:fontRef idx="minor">
+            <a:schemeClr val="tx1"/>
+          </a:fontRef>
+        </p:style>
+      </p:cxnSp>
+      <p:cxnSp>
+        <p:nvCxnSpPr>
+          <p:cNvPr id="24" name="Straight Arrow Connector 23">
+            <a:extLst>
+              <a:ext uri="{FF2B5EF4-FFF2-40B4-BE49-F238E27FC236}">
+                <a16:creationId xmlns:a16="http://schemas.microsoft.com/office/drawing/2014/main" id="{9D1D6587-3790-46E8-8EEC-D226FCEFC863}"/>
+              </a:ext>
+            </a:extLst>
+          </p:cNvPr>
+          <p:cNvCxnSpPr>
+            <a:cxnSpLocks/>
+            <a:stCxn id="3" idx="3"/>
+          </p:cNvCxnSpPr>
+          <p:nvPr/>
+        </p:nvCxnSpPr>
+        <p:spPr>
+          <a:xfrm flipV="1">
+            <a:off x="3778814" y="1778521"/>
+            <a:ext cx="1546675" cy="444562"/>
+          </a:xfrm>
+          <a:prstGeom prst="straightConnector1">
+            <a:avLst/>
+          </a:prstGeom>
+          <a:ln w="28575">
+            <a:solidFill>
+              <a:schemeClr val="tx1"/>
+            </a:solidFill>
+            <a:tailEnd type="triangle"/>
+          </a:ln>
+          <a:effectLst>
+            <a:glow rad="38100">
+              <a:schemeClr val="bg1"/>
+            </a:glow>
+          </a:effectLst>
+        </p:spPr>
+        <p:style>
+          <a:lnRef idx="1">
+            <a:schemeClr val="accent1"/>
+          </a:lnRef>
+          <a:fillRef idx="0">
+            <a:schemeClr val="accent1"/>
+          </a:fillRef>
+          <a:effectRef idx="0">
+            <a:schemeClr val="accent1"/>
+          </a:effectRef>
+          <a:fontRef idx="minor">
+            <a:schemeClr val="tx1"/>
+          </a:fontRef>
+        </p:style>
+      </p:cxnSp>
+      <p:cxnSp>
+        <p:nvCxnSpPr>
+          <p:cNvPr id="28" name="Straight Arrow Connector 27">
+            <a:extLst>
+              <a:ext uri="{FF2B5EF4-FFF2-40B4-BE49-F238E27FC236}">
+                <a16:creationId xmlns:a16="http://schemas.microsoft.com/office/drawing/2014/main" id="{A62339D6-AE5C-41A5-A826-B48E6D1250D0}"/>
+              </a:ext>
+            </a:extLst>
+          </p:cNvPr>
+          <p:cNvCxnSpPr>
+            <a:cxnSpLocks/>
+          </p:cNvCxnSpPr>
+          <p:nvPr/>
+        </p:nvCxnSpPr>
+        <p:spPr>
+          <a:xfrm>
+            <a:off x="3775742" y="5690639"/>
+            <a:ext cx="1589566" cy="288696"/>
+          </a:xfrm>
+          <a:prstGeom prst="straightConnector1">
+            <a:avLst/>
+          </a:prstGeom>
+          <a:ln w="28575">
+            <a:solidFill>
+              <a:schemeClr val="tx1"/>
+            </a:solidFill>
+            <a:tailEnd type="triangle"/>
+          </a:ln>
+          <a:effectLst>
+            <a:glow rad="38100">
+              <a:schemeClr val="bg1"/>
+            </a:glow>
+          </a:effectLst>
+        </p:spPr>
+        <p:style>
+          <a:lnRef idx="1">
+            <a:schemeClr val="accent1"/>
+          </a:lnRef>
+          <a:fillRef idx="0">
+            <a:schemeClr val="accent1"/>
+          </a:fillRef>
+          <a:effectRef idx="0">
+            <a:schemeClr val="accent1"/>
+          </a:effectRef>
+          <a:fontRef idx="minor">
+            <a:schemeClr val="tx1"/>
+          </a:fontRef>
+        </p:style>
+      </p:cxnSp>
+      <p:cxnSp>
+        <p:nvCxnSpPr>
+          <p:cNvPr id="30" name="Straight Arrow Connector 29">
+            <a:extLst>
+              <a:ext uri="{FF2B5EF4-FFF2-40B4-BE49-F238E27FC236}">
+                <a16:creationId xmlns:a16="http://schemas.microsoft.com/office/drawing/2014/main" id="{DD33E760-EE66-402A-8F24-7B977FEC5D24}"/>
+              </a:ext>
+            </a:extLst>
+          </p:cNvPr>
+          <p:cNvCxnSpPr>
+            <a:cxnSpLocks/>
+          </p:cNvCxnSpPr>
+          <p:nvPr/>
+        </p:nvCxnSpPr>
+        <p:spPr>
+          <a:xfrm>
+            <a:off x="3775742" y="6178117"/>
+            <a:ext cx="1549747" cy="0"/>
+          </a:xfrm>
+          <a:prstGeom prst="straightConnector1">
+            <a:avLst/>
+          </a:prstGeom>
+          <a:ln w="28575">
+            <a:solidFill>
+              <a:schemeClr val="tx1"/>
+            </a:solidFill>
+            <a:tailEnd type="triangle"/>
+          </a:ln>
+          <a:effectLst>
+            <a:glow rad="38100">
+              <a:schemeClr val="bg1"/>
+            </a:glow>
+          </a:effectLst>
+        </p:spPr>
+        <p:style>
+          <a:lnRef idx="1">
+            <a:schemeClr val="accent1"/>
+          </a:lnRef>
+          <a:fillRef idx="0">
+            <a:schemeClr val="accent1"/>
+          </a:fillRef>
+          <a:effectRef idx="0">
+            <a:schemeClr val="accent1"/>
+          </a:effectRef>
+          <a:fontRef idx="minor">
+            <a:schemeClr val="tx1"/>
+          </a:fontRef>
+        </p:style>
+      </p:cxnSp>
+      <p:sp>
+        <p:nvSpPr>
+          <p:cNvPr id="33" name="TextBox 32">
+            <a:extLst>
+              <a:ext uri="{FF2B5EF4-FFF2-40B4-BE49-F238E27FC236}">
+                <a16:creationId xmlns:a16="http://schemas.microsoft.com/office/drawing/2014/main" id="{79F5739C-3986-493F-B99C-4DAC176AEF9F}"/>
+              </a:ext>
+            </a:extLst>
+          </p:cNvPr>
+          <p:cNvSpPr txBox="1"/>
+          <p:nvPr/>
+        </p:nvSpPr>
+        <p:spPr>
+          <a:xfrm>
+            <a:off x="3471518" y="559776"/>
+            <a:ext cx="317716" cy="369332"/>
+          </a:xfrm>
+          <a:prstGeom prst="rect">
+            <a:avLst/>
+          </a:prstGeom>
+          <a:noFill/>
+        </p:spPr>
+        <p:txBody>
+          <a:bodyPr wrap="none" rtlCol="0">
+            <a:spAutoFit/>
+          </a:bodyPr>
+          <a:lstStyle/>
+          <a:p>
+            <a:pPr algn="ctr"/>
+            <a:r>
+              <a:rPr lang="en-US" dirty="0"/>
+              <a:t>B</a:t>
+            </a:r>
+          </a:p>
+        </p:txBody>
+      </p:sp>
+      <p:sp>
+        <p:nvSpPr>
+          <p:cNvPr id="34" name="TextBox 33">
+            <a:extLst>
+              <a:ext uri="{FF2B5EF4-FFF2-40B4-BE49-F238E27FC236}">
+                <a16:creationId xmlns:a16="http://schemas.microsoft.com/office/drawing/2014/main" id="{4C00581A-7DFA-416F-B51F-E6C8F2D87E61}"/>
+              </a:ext>
+            </a:extLst>
+          </p:cNvPr>
+          <p:cNvSpPr txBox="1"/>
+          <p:nvPr/>
+        </p:nvSpPr>
+        <p:spPr>
+          <a:xfrm>
+            <a:off x="3471518" y="980275"/>
+            <a:ext cx="317716" cy="369332"/>
+          </a:xfrm>
+          <a:prstGeom prst="rect">
+            <a:avLst/>
+          </a:prstGeom>
+          <a:noFill/>
+        </p:spPr>
+        <p:txBody>
+          <a:bodyPr wrap="none" rtlCol="0">
+            <a:spAutoFit/>
+          </a:bodyPr>
+          <a:lstStyle/>
+          <a:p>
+            <a:pPr algn="ctr"/>
+            <a:r>
+              <a:rPr lang="en-US" dirty="0"/>
+              <a:t>C</a:t>
+            </a:r>
+          </a:p>
+        </p:txBody>
+      </p:sp>
+      <p:sp>
+        <p:nvSpPr>
+          <p:cNvPr id="35" name="TextBox 34">
+            <a:extLst>
+              <a:ext uri="{FF2B5EF4-FFF2-40B4-BE49-F238E27FC236}">
+                <a16:creationId xmlns:a16="http://schemas.microsoft.com/office/drawing/2014/main" id="{0F5E2F83-B6CC-45A5-91F1-7A28C96CABD0}"/>
+              </a:ext>
+            </a:extLst>
+          </p:cNvPr>
+          <p:cNvSpPr txBox="1"/>
+          <p:nvPr/>
+        </p:nvSpPr>
+        <p:spPr>
+          <a:xfrm>
+            <a:off x="3466709" y="1400774"/>
+            <a:ext cx="327334" cy="369332"/>
+          </a:xfrm>
+          <a:prstGeom prst="rect">
+            <a:avLst/>
+          </a:prstGeom>
+          <a:noFill/>
+        </p:spPr>
+        <p:txBody>
+          <a:bodyPr wrap="none" rtlCol="0">
+            <a:spAutoFit/>
+          </a:bodyPr>
+          <a:lstStyle/>
+          <a:p>
+            <a:pPr algn="ctr"/>
+            <a:r>
+              <a:rPr lang="en-US" dirty="0"/>
+              <a:t>D</a:t>
+            </a:r>
+          </a:p>
+        </p:txBody>
+      </p:sp>
+      <p:sp>
+        <p:nvSpPr>
+          <p:cNvPr id="36" name="TextBox 35">
+            <a:extLst>
+              <a:ext uri="{FF2B5EF4-FFF2-40B4-BE49-F238E27FC236}">
+                <a16:creationId xmlns:a16="http://schemas.microsoft.com/office/drawing/2014/main" id="{66F88542-FE9A-4BAE-85C0-4C3A04C41C85}"/>
+              </a:ext>
+            </a:extLst>
+          </p:cNvPr>
+          <p:cNvSpPr txBox="1"/>
+          <p:nvPr/>
+        </p:nvSpPr>
+        <p:spPr>
+          <a:xfrm>
+            <a:off x="3485144" y="2505314"/>
+            <a:ext cx="290464" cy="369332"/>
+          </a:xfrm>
+          <a:prstGeom prst="rect">
+            <a:avLst/>
+          </a:prstGeom>
+          <a:noFill/>
+        </p:spPr>
+        <p:txBody>
+          <a:bodyPr wrap="none" rtlCol="0">
+            <a:spAutoFit/>
+          </a:bodyPr>
+          <a:lstStyle/>
+          <a:p>
+            <a:pPr algn="ctr"/>
+            <a:r>
+              <a:rPr lang="en-US" dirty="0"/>
+              <a:t>F</a:t>
+            </a:r>
+          </a:p>
+        </p:txBody>
+      </p:sp>
+      <p:sp>
+        <p:nvSpPr>
+          <p:cNvPr id="37" name="TextBox 36">
+            <a:extLst>
+              <a:ext uri="{FF2B5EF4-FFF2-40B4-BE49-F238E27FC236}">
+                <a16:creationId xmlns:a16="http://schemas.microsoft.com/office/drawing/2014/main" id="{76960043-A596-4436-9D01-91A61AD42FFE}"/>
+              </a:ext>
+            </a:extLst>
+          </p:cNvPr>
+          <p:cNvSpPr txBox="1"/>
+          <p:nvPr/>
+        </p:nvSpPr>
+        <p:spPr>
+          <a:xfrm>
+            <a:off x="3465908" y="3497837"/>
+            <a:ext cx="328936" cy="369332"/>
+          </a:xfrm>
+          <a:prstGeom prst="rect">
+            <a:avLst/>
+          </a:prstGeom>
+          <a:noFill/>
+        </p:spPr>
+        <p:txBody>
+          <a:bodyPr wrap="none" rtlCol="0">
+            <a:spAutoFit/>
+          </a:bodyPr>
+          <a:lstStyle/>
+          <a:p>
+            <a:pPr algn="ctr"/>
+            <a:r>
+              <a:rPr lang="en-US" dirty="0"/>
+              <a:t>H</a:t>
+            </a:r>
+          </a:p>
+        </p:txBody>
+      </p:sp>
+      <p:sp>
+        <p:nvSpPr>
+          <p:cNvPr id="38" name="TextBox 37">
+            <a:extLst>
+              <a:ext uri="{FF2B5EF4-FFF2-40B4-BE49-F238E27FC236}">
+                <a16:creationId xmlns:a16="http://schemas.microsoft.com/office/drawing/2014/main" id="{AAF83B4F-FD69-48FB-A965-9DDE14765552}"/>
+              </a:ext>
+            </a:extLst>
+          </p:cNvPr>
+          <p:cNvSpPr txBox="1"/>
+          <p:nvPr/>
+        </p:nvSpPr>
+        <p:spPr>
+          <a:xfrm>
+            <a:off x="3509189" y="3983355"/>
+            <a:ext cx="242374" cy="369332"/>
+          </a:xfrm>
+          <a:prstGeom prst="rect">
+            <a:avLst/>
+          </a:prstGeom>
+          <a:noFill/>
+        </p:spPr>
+        <p:txBody>
+          <a:bodyPr wrap="none" rtlCol="0">
+            <a:spAutoFit/>
+          </a:bodyPr>
+          <a:lstStyle/>
+          <a:p>
+            <a:pPr algn="ctr"/>
+            <a:r>
+              <a:rPr lang="en-US" dirty="0"/>
+              <a:t>I</a:t>
+            </a:r>
+          </a:p>
+        </p:txBody>
+      </p:sp>
+      <p:sp>
+        <p:nvSpPr>
+          <p:cNvPr id="39" name="TextBox 38">
+            <a:extLst>
+              <a:ext uri="{FF2B5EF4-FFF2-40B4-BE49-F238E27FC236}">
+                <a16:creationId xmlns:a16="http://schemas.microsoft.com/office/drawing/2014/main" id="{6E5C945F-0376-4BED-8DB3-5AA05FA542DB}"/>
+              </a:ext>
+            </a:extLst>
+          </p:cNvPr>
+          <p:cNvSpPr txBox="1"/>
+          <p:nvPr/>
+        </p:nvSpPr>
+        <p:spPr>
+          <a:xfrm>
+            <a:off x="3501174" y="4963862"/>
+            <a:ext cx="258404" cy="369332"/>
+          </a:xfrm>
+          <a:prstGeom prst="rect">
+            <a:avLst/>
+          </a:prstGeom>
+          <a:noFill/>
+        </p:spPr>
+        <p:txBody>
+          <a:bodyPr wrap="none" rtlCol="0">
+            <a:spAutoFit/>
+          </a:bodyPr>
+          <a:lstStyle/>
+          <a:p>
+            <a:pPr algn="ctr"/>
+            <a:r>
+              <a:rPr lang="en-US" dirty="0"/>
+              <a:t>J</a:t>
+            </a:r>
+          </a:p>
+        </p:txBody>
+      </p:sp>
+      <p:sp>
+        <p:nvSpPr>
+          <p:cNvPr id="40" name="TextBox 39">
+            <a:extLst>
+              <a:ext uri="{FF2B5EF4-FFF2-40B4-BE49-F238E27FC236}">
+                <a16:creationId xmlns:a16="http://schemas.microsoft.com/office/drawing/2014/main" id="{1D98D914-0706-486F-91DB-5ED390EB4A41}"/>
+              </a:ext>
+            </a:extLst>
+          </p:cNvPr>
+          <p:cNvSpPr txBox="1"/>
+          <p:nvPr/>
+        </p:nvSpPr>
+        <p:spPr>
+          <a:xfrm>
+            <a:off x="3477930" y="5498235"/>
+            <a:ext cx="304892" cy="369332"/>
+          </a:xfrm>
+          <a:prstGeom prst="rect">
+            <a:avLst/>
+          </a:prstGeom>
+          <a:noFill/>
+        </p:spPr>
+        <p:txBody>
+          <a:bodyPr wrap="none" rtlCol="0">
+            <a:spAutoFit/>
+          </a:bodyPr>
+          <a:lstStyle/>
+          <a:p>
+            <a:pPr algn="ctr"/>
+            <a:r>
+              <a:rPr lang="en-US" dirty="0"/>
+              <a:t>K</a:t>
+            </a:r>
+          </a:p>
+        </p:txBody>
+      </p:sp>
+      <p:sp>
+        <p:nvSpPr>
+          <p:cNvPr id="41" name="TextBox 40">
+            <a:extLst>
+              <a:ext uri="{FF2B5EF4-FFF2-40B4-BE49-F238E27FC236}">
+                <a16:creationId xmlns:a16="http://schemas.microsoft.com/office/drawing/2014/main" id="{4766C85C-FCE8-42BF-A38D-8A99500DE007}"/>
+              </a:ext>
+            </a:extLst>
+          </p:cNvPr>
+          <p:cNvSpPr txBox="1"/>
+          <p:nvPr/>
+        </p:nvSpPr>
+        <p:spPr>
+          <a:xfrm>
+            <a:off x="3489151" y="6012730"/>
+            <a:ext cx="282450" cy="369332"/>
+          </a:xfrm>
+          <a:prstGeom prst="rect">
+            <a:avLst/>
+          </a:prstGeom>
+          <a:noFill/>
+        </p:spPr>
+        <p:txBody>
+          <a:bodyPr wrap="none" rtlCol="0">
+            <a:spAutoFit/>
+          </a:bodyPr>
+          <a:lstStyle/>
+          <a:p>
+            <a:pPr algn="ctr"/>
+            <a:r>
+              <a:rPr lang="en-US" dirty="0"/>
+              <a:t>L</a:t>
+            </a:r>
+          </a:p>
+        </p:txBody>
+      </p:sp>
+      <p:cxnSp>
+        <p:nvCxnSpPr>
+          <p:cNvPr id="42" name="Straight Arrow Connector 41">
+            <a:extLst>
+              <a:ext uri="{FF2B5EF4-FFF2-40B4-BE49-F238E27FC236}">
+                <a16:creationId xmlns:a16="http://schemas.microsoft.com/office/drawing/2014/main" id="{260E401D-A786-4D0B-B9C5-3EF61082453C}"/>
+              </a:ext>
+            </a:extLst>
+          </p:cNvPr>
+          <p:cNvCxnSpPr>
+            <a:cxnSpLocks/>
+          </p:cNvCxnSpPr>
+          <p:nvPr/>
+        </p:nvCxnSpPr>
+        <p:spPr>
+          <a:xfrm>
+            <a:off x="3789900" y="3154454"/>
+            <a:ext cx="1448022" cy="0"/>
+          </a:xfrm>
+          <a:prstGeom prst="straightConnector1">
+            <a:avLst/>
+          </a:prstGeom>
+          <a:ln w="28575">
+            <a:solidFill>
+              <a:schemeClr val="tx1"/>
+            </a:solidFill>
+            <a:tailEnd type="triangle"/>
+          </a:ln>
+          <a:effectLst>
+            <a:glow rad="38100">
+              <a:schemeClr val="bg1"/>
+            </a:glow>
+          </a:effectLst>
+        </p:spPr>
+        <p:style>
+          <a:lnRef idx="1">
+            <a:schemeClr val="accent1"/>
+          </a:lnRef>
+          <a:fillRef idx="0">
+            <a:schemeClr val="accent1"/>
+          </a:fillRef>
+          <a:effectRef idx="0">
+            <a:schemeClr val="accent1"/>
+          </a:effectRef>
+          <a:fontRef idx="minor">
+            <a:schemeClr val="tx1"/>
+          </a:fontRef>
+        </p:style>
+      </p:cxnSp>
+      <p:sp>
+        <p:nvSpPr>
+          <p:cNvPr id="44" name="TextBox 43">
+            <a:extLst>
+              <a:ext uri="{FF2B5EF4-FFF2-40B4-BE49-F238E27FC236}">
+                <a16:creationId xmlns:a16="http://schemas.microsoft.com/office/drawing/2014/main" id="{111D47F5-A169-48DA-B588-0764859CF396}"/>
+              </a:ext>
+            </a:extLst>
+          </p:cNvPr>
+          <p:cNvSpPr txBox="1"/>
+          <p:nvPr/>
+        </p:nvSpPr>
+        <p:spPr>
+          <a:xfrm>
+            <a:off x="3465106" y="2944851"/>
+            <a:ext cx="330540" cy="369332"/>
+          </a:xfrm>
+          <a:prstGeom prst="rect">
+            <a:avLst/>
+          </a:prstGeom>
+          <a:noFill/>
+        </p:spPr>
+        <p:txBody>
+          <a:bodyPr wrap="none" rtlCol="0">
+            <a:spAutoFit/>
+          </a:bodyPr>
+          <a:lstStyle/>
+          <a:p>
+            <a:pPr algn="ctr"/>
+            <a:r>
+              <a:rPr lang="en-US" dirty="0"/>
+              <a:t>G</a:t>
+            </a:r>
+          </a:p>
+        </p:txBody>
+      </p:sp>
+      <p:sp>
+        <p:nvSpPr>
+          <p:cNvPr id="45" name="TextBox 44">
+            <a:extLst>
+              <a:ext uri="{FF2B5EF4-FFF2-40B4-BE49-F238E27FC236}">
+                <a16:creationId xmlns:a16="http://schemas.microsoft.com/office/drawing/2014/main" id="{9DA77217-1454-430B-ADAF-7A92DB086428}"/>
+              </a:ext>
+            </a:extLst>
+          </p:cNvPr>
+          <p:cNvSpPr txBox="1"/>
+          <p:nvPr/>
+        </p:nvSpPr>
+        <p:spPr>
+          <a:xfrm>
+            <a:off x="3471518" y="75879"/>
+            <a:ext cx="317716" cy="369332"/>
+          </a:xfrm>
+          <a:prstGeom prst="rect">
+            <a:avLst/>
+          </a:prstGeom>
+          <a:noFill/>
+        </p:spPr>
+        <p:txBody>
+          <a:bodyPr wrap="none" rtlCol="0">
+            <a:spAutoFit/>
+          </a:bodyPr>
+          <a:lstStyle/>
+          <a:p>
+            <a:pPr algn="ctr"/>
+            <a:r>
+              <a:rPr lang="en-US" dirty="0"/>
+              <a:t>A</a:t>
+            </a:r>
+          </a:p>
+        </p:txBody>
+      </p:sp>
+      <p:cxnSp>
+        <p:nvCxnSpPr>
+          <p:cNvPr id="46" name="Straight Arrow Connector 45">
+            <a:extLst>
+              <a:ext uri="{FF2B5EF4-FFF2-40B4-BE49-F238E27FC236}">
+                <a16:creationId xmlns:a16="http://schemas.microsoft.com/office/drawing/2014/main" id="{A4F39BEA-C3BC-4FC9-9CFE-ED947BECF23C}"/>
+              </a:ext>
+            </a:extLst>
+          </p:cNvPr>
+          <p:cNvCxnSpPr>
+            <a:cxnSpLocks/>
+          </p:cNvCxnSpPr>
+          <p:nvPr/>
+        </p:nvCxnSpPr>
+        <p:spPr>
+          <a:xfrm flipV="1">
+            <a:off x="3763426" y="267318"/>
+            <a:ext cx="2110600" cy="0"/>
+          </a:xfrm>
+          <a:prstGeom prst="straightConnector1">
+            <a:avLst/>
+          </a:prstGeom>
+          <a:ln w="28575">
+            <a:solidFill>
+              <a:schemeClr val="tx1"/>
+            </a:solidFill>
+            <a:tailEnd type="triangle"/>
+          </a:ln>
+          <a:effectLst>
+            <a:glow rad="38100">
+              <a:schemeClr val="bg1"/>
+            </a:glow>
+          </a:effectLst>
+        </p:spPr>
+        <p:style>
+          <a:lnRef idx="1">
+            <a:schemeClr val="accent1"/>
+          </a:lnRef>
+          <a:fillRef idx="0">
+            <a:schemeClr val="accent1"/>
+          </a:fillRef>
+          <a:effectRef idx="0">
+            <a:schemeClr val="accent1"/>
+          </a:effectRef>
+          <a:fontRef idx="minor">
+            <a:schemeClr val="tx1"/>
+          </a:fontRef>
+        </p:style>
+      </p:cxnSp>
+    </p:spTree>
+    <p:extLst>
+      <p:ext uri="{BB962C8B-B14F-4D97-AF65-F5344CB8AC3E}">
+        <p14:creationId xmlns:p14="http://schemas.microsoft.com/office/powerpoint/2010/main" val="1883874907"/>
+      </p:ext>
+    </p:extLst>
+  </p:cSld>
+  <p:clrMapOvr>
+    <a:masterClrMapping/>
+  </p:clrMapOvr>
+</p:sld>
+</file>
+
+<file path=ppt/slides/slide4.xml><?xml version="1.0" encoding="utf-8"?>
+<p:sld xmlns:a="http://schemas.openxmlformats.org/drawingml/2006/main" xmlns:r="http://schemas.openxmlformats.org/officeDocument/2006/relationships" xmlns:p="http://schemas.openxmlformats.org/presentationml/2006/main">
+  <p:cSld>
+    <p:spTree>
+      <p:nvGrpSpPr>
+        <p:cNvPr id="1" name=""/>
+        <p:cNvGrpSpPr/>
+        <p:nvPr/>
+      </p:nvGrpSpPr>
+      <p:grpSpPr>
+        <a:xfrm>
+          <a:off x="0" y="0"/>
+          <a:ext cx="0" cy="0"/>
+          <a:chOff x="0" y="0"/>
+          <a:chExt cx="0" cy="0"/>
+        </a:xfrm>
+      </p:grpSpPr>
       <p:pic>
         <p:nvPicPr>
-          <p:cNvPr id="8" name="Picture 7">
-            <a:extLst>
-              <a:ext uri="{FF2B5EF4-FFF2-40B4-BE49-F238E27FC236}">
-                <a16:creationId xmlns:a16="http://schemas.microsoft.com/office/drawing/2014/main" id="{FEAA8B4E-DB9F-43AE-BAE2-4C1AC32D2523}"/>
+          <p:cNvPr id="2" name="Picture 1">
+            <a:extLst>
+              <a:ext uri="{FF2B5EF4-FFF2-40B4-BE49-F238E27FC236}">
+                <a16:creationId xmlns:a16="http://schemas.microsoft.com/office/drawing/2014/main" id="{056765AC-A725-426E-A6F7-8578982A6F27}"/>
               </a:ext>
             </a:extLst>
           </p:cNvPr>
@@ -4109,31 +5648,1080 @@
           </p:cNvPicPr>
           <p:nvPr/>
         </p:nvPicPr>
-        <p:blipFill rotWithShape="1">
-          <a:blip r:embed="rId3">
-            <a:extLst>
-              <a:ext uri="{28A0092B-C50C-407E-A947-70E740481C1C}">
-                <a14:useLocalDpi xmlns:a14="http://schemas.microsoft.com/office/drawing/2010/main" val="0"/>
-              </a:ext>
-            </a:extLst>
-          </a:blip>
-          <a:srcRect l="21566" t="6556" r="34372"/>
-          <a:stretch/>
+        <p:blipFill>
+          <a:blip r:embed="rId2"/>
+          <a:stretch>
+            <a:fillRect/>
+          </a:stretch>
         </p:blipFill>
         <p:spPr>
           <a:xfrm>
-            <a:off x="8200444" y="165194"/>
-            <a:ext cx="2687444" cy="7375315"/>
+            <a:off x="4874895" y="0"/>
+            <a:ext cx="822960" cy="6858000"/>
           </a:xfrm>
           <a:prstGeom prst="rect">
             <a:avLst/>
           </a:prstGeom>
         </p:spPr>
       </p:pic>
+      <p:pic>
+        <p:nvPicPr>
+          <p:cNvPr id="3" name="Picture 2">
+            <a:extLst>
+              <a:ext uri="{FF2B5EF4-FFF2-40B4-BE49-F238E27FC236}">
+                <a16:creationId xmlns:a16="http://schemas.microsoft.com/office/drawing/2014/main" id="{049A17C3-5054-4D6B-A3F9-F1C52A1CA2B3}"/>
+              </a:ext>
+            </a:extLst>
+          </p:cNvPr>
+          <p:cNvPicPr>
+            <a:picLocks noChangeAspect="1"/>
+          </p:cNvPicPr>
+          <p:nvPr/>
+        </p:nvPicPr>
+        <p:blipFill>
+          <a:blip r:embed="rId3"/>
+          <a:stretch>
+            <a:fillRect/>
+          </a:stretch>
+        </p:blipFill>
+        <p:spPr>
+          <a:xfrm>
+            <a:off x="5697855" y="285750"/>
+            <a:ext cx="769247" cy="6572250"/>
+          </a:xfrm>
+          <a:prstGeom prst="rect">
+            <a:avLst/>
+          </a:prstGeom>
+        </p:spPr>
+      </p:pic>
+      <p:pic>
+        <p:nvPicPr>
+          <p:cNvPr id="4" name="Picture 3">
+            <a:extLst>
+              <a:ext uri="{FF2B5EF4-FFF2-40B4-BE49-F238E27FC236}">
+                <a16:creationId xmlns:a16="http://schemas.microsoft.com/office/drawing/2014/main" id="{05EC9402-38AC-456C-8681-94F75D10544E}"/>
+              </a:ext>
+            </a:extLst>
+          </p:cNvPr>
+          <p:cNvPicPr>
+            <a:picLocks noChangeAspect="1"/>
+          </p:cNvPicPr>
+          <p:nvPr/>
+        </p:nvPicPr>
+        <p:blipFill>
+          <a:blip r:embed="rId4"/>
+          <a:stretch>
+            <a:fillRect/>
+          </a:stretch>
+        </p:blipFill>
+        <p:spPr>
+          <a:xfrm>
+            <a:off x="7680276" y="2028824"/>
+            <a:ext cx="1691774" cy="1548099"/>
+          </a:xfrm>
+          <a:prstGeom prst="rect">
+            <a:avLst/>
+          </a:prstGeom>
+        </p:spPr>
+      </p:pic>
+      <p:pic>
+        <p:nvPicPr>
+          <p:cNvPr id="5" name="Picture 4">
+            <a:extLst>
+              <a:ext uri="{FF2B5EF4-FFF2-40B4-BE49-F238E27FC236}">
+                <a16:creationId xmlns:a16="http://schemas.microsoft.com/office/drawing/2014/main" id="{94789EA6-E607-4C95-A887-43713D49182E}"/>
+              </a:ext>
+            </a:extLst>
+          </p:cNvPr>
+          <p:cNvPicPr>
+            <a:picLocks noChangeAspect="1"/>
+          </p:cNvPicPr>
+          <p:nvPr/>
+        </p:nvPicPr>
+        <p:blipFill>
+          <a:blip r:embed="rId5"/>
+          <a:stretch>
+            <a:fillRect/>
+          </a:stretch>
+        </p:blipFill>
+        <p:spPr>
+          <a:xfrm>
+            <a:off x="7803784" y="157450"/>
+            <a:ext cx="1444759" cy="1466850"/>
+          </a:xfrm>
+          <a:prstGeom prst="rect">
+            <a:avLst/>
+          </a:prstGeom>
+        </p:spPr>
+      </p:pic>
+      <p:pic>
+        <p:nvPicPr>
+          <p:cNvPr id="6" name="Picture 5">
+            <a:extLst>
+              <a:ext uri="{FF2B5EF4-FFF2-40B4-BE49-F238E27FC236}">
+                <a16:creationId xmlns:a16="http://schemas.microsoft.com/office/drawing/2014/main" id="{98C4C121-064E-41B0-9434-2CFD84E9BBD5}"/>
+              </a:ext>
+            </a:extLst>
+          </p:cNvPr>
+          <p:cNvPicPr>
+            <a:picLocks noChangeAspect="1"/>
+          </p:cNvPicPr>
+          <p:nvPr/>
+        </p:nvPicPr>
+        <p:blipFill>
+          <a:blip r:embed="rId6"/>
+          <a:stretch>
+            <a:fillRect/>
+          </a:stretch>
+        </p:blipFill>
+        <p:spPr>
+          <a:xfrm>
+            <a:off x="6467102" y="285750"/>
+            <a:ext cx="526670" cy="6386800"/>
+          </a:xfrm>
+          <a:prstGeom prst="rect">
+            <a:avLst/>
+          </a:prstGeom>
+        </p:spPr>
+      </p:pic>
+      <p:sp>
+        <p:nvSpPr>
+          <p:cNvPr id="7" name="TextBox 6">
+            <a:extLst>
+              <a:ext uri="{FF2B5EF4-FFF2-40B4-BE49-F238E27FC236}">
+                <a16:creationId xmlns:a16="http://schemas.microsoft.com/office/drawing/2014/main" id="{340ACE49-CF98-4651-8C32-B50198E41EE4}"/>
+              </a:ext>
+            </a:extLst>
+          </p:cNvPr>
+          <p:cNvSpPr txBox="1"/>
+          <p:nvPr/>
+        </p:nvSpPr>
+        <p:spPr>
+          <a:xfrm>
+            <a:off x="4387613" y="304800"/>
+            <a:ext cx="317716" cy="369332"/>
+          </a:xfrm>
+          <a:prstGeom prst="rect">
+            <a:avLst/>
+          </a:prstGeom>
+          <a:noFill/>
+        </p:spPr>
+        <p:txBody>
+          <a:bodyPr wrap="square" rtlCol="0">
+            <a:spAutoFit/>
+          </a:bodyPr>
+          <a:lstStyle/>
+          <a:p>
+            <a:pPr algn="ctr"/>
+            <a:r>
+              <a:rPr lang="en-US" dirty="0"/>
+              <a:t>A</a:t>
+            </a:r>
+          </a:p>
+        </p:txBody>
+      </p:sp>
+      <p:cxnSp>
+        <p:nvCxnSpPr>
+          <p:cNvPr id="8" name="Straight Arrow Connector 7">
+            <a:extLst>
+              <a:ext uri="{FF2B5EF4-FFF2-40B4-BE49-F238E27FC236}">
+                <a16:creationId xmlns:a16="http://schemas.microsoft.com/office/drawing/2014/main" id="{03933796-E1F3-45C8-A67E-5354C7DB623B}"/>
+              </a:ext>
+            </a:extLst>
+          </p:cNvPr>
+          <p:cNvCxnSpPr>
+            <a:cxnSpLocks/>
+          </p:cNvCxnSpPr>
+          <p:nvPr/>
+        </p:nvCxnSpPr>
+        <p:spPr>
+          <a:xfrm>
+            <a:off x="4648741" y="496239"/>
+            <a:ext cx="478776" cy="0"/>
+          </a:xfrm>
+          <a:prstGeom prst="straightConnector1">
+            <a:avLst/>
+          </a:prstGeom>
+          <a:ln w="28575">
+            <a:solidFill>
+              <a:schemeClr val="tx1"/>
+            </a:solidFill>
+            <a:tailEnd type="triangle"/>
+          </a:ln>
+          <a:effectLst>
+            <a:glow rad="38100">
+              <a:schemeClr val="bg1"/>
+            </a:glow>
+          </a:effectLst>
+        </p:spPr>
+        <p:style>
+          <a:lnRef idx="1">
+            <a:schemeClr val="accent1"/>
+          </a:lnRef>
+          <a:fillRef idx="0">
+            <a:schemeClr val="accent1"/>
+          </a:fillRef>
+          <a:effectRef idx="0">
+            <a:schemeClr val="accent1"/>
+          </a:effectRef>
+          <a:fontRef idx="minor">
+            <a:schemeClr val="tx1"/>
+          </a:fontRef>
+        </p:style>
+      </p:cxnSp>
+      <p:sp>
+        <p:nvSpPr>
+          <p:cNvPr id="13" name="TextBox 12">
+            <a:extLst>
+              <a:ext uri="{FF2B5EF4-FFF2-40B4-BE49-F238E27FC236}">
+                <a16:creationId xmlns:a16="http://schemas.microsoft.com/office/drawing/2014/main" id="{1E112CBB-3AF1-46F9-A197-BE6529056F22}"/>
+              </a:ext>
+            </a:extLst>
+          </p:cNvPr>
+          <p:cNvSpPr txBox="1"/>
+          <p:nvPr/>
+        </p:nvSpPr>
+        <p:spPr>
+          <a:xfrm>
+            <a:off x="4387613" y="706209"/>
+            <a:ext cx="317716" cy="369332"/>
+          </a:xfrm>
+          <a:prstGeom prst="rect">
+            <a:avLst/>
+          </a:prstGeom>
+          <a:noFill/>
+        </p:spPr>
+        <p:txBody>
+          <a:bodyPr wrap="square" rtlCol="0">
+            <a:spAutoFit/>
+          </a:bodyPr>
+          <a:lstStyle/>
+          <a:p>
+            <a:pPr algn="ctr"/>
+            <a:r>
+              <a:rPr lang="en-US" dirty="0"/>
+              <a:t>B</a:t>
+            </a:r>
+          </a:p>
+        </p:txBody>
+      </p:sp>
+      <p:cxnSp>
+        <p:nvCxnSpPr>
+          <p:cNvPr id="14" name="Straight Arrow Connector 13">
+            <a:extLst>
+              <a:ext uri="{FF2B5EF4-FFF2-40B4-BE49-F238E27FC236}">
+                <a16:creationId xmlns:a16="http://schemas.microsoft.com/office/drawing/2014/main" id="{8610E64B-FB55-4DCD-AF94-00F73283C3E6}"/>
+              </a:ext>
+            </a:extLst>
+          </p:cNvPr>
+          <p:cNvCxnSpPr>
+            <a:cxnSpLocks/>
+          </p:cNvCxnSpPr>
+          <p:nvPr/>
+        </p:nvCxnSpPr>
+        <p:spPr>
+          <a:xfrm>
+            <a:off x="4648741" y="897648"/>
+            <a:ext cx="478776" cy="0"/>
+          </a:xfrm>
+          <a:prstGeom prst="straightConnector1">
+            <a:avLst/>
+          </a:prstGeom>
+          <a:ln w="28575">
+            <a:solidFill>
+              <a:schemeClr val="tx1"/>
+            </a:solidFill>
+            <a:tailEnd type="triangle"/>
+          </a:ln>
+          <a:effectLst>
+            <a:glow rad="38100">
+              <a:schemeClr val="bg1"/>
+            </a:glow>
+          </a:effectLst>
+        </p:spPr>
+        <p:style>
+          <a:lnRef idx="1">
+            <a:schemeClr val="accent1"/>
+          </a:lnRef>
+          <a:fillRef idx="0">
+            <a:schemeClr val="accent1"/>
+          </a:fillRef>
+          <a:effectRef idx="0">
+            <a:schemeClr val="accent1"/>
+          </a:effectRef>
+          <a:fontRef idx="minor">
+            <a:schemeClr val="tx1"/>
+          </a:fontRef>
+        </p:style>
+      </p:cxnSp>
+      <p:sp>
+        <p:nvSpPr>
+          <p:cNvPr id="16" name="TextBox 15">
+            <a:extLst>
+              <a:ext uri="{FF2B5EF4-FFF2-40B4-BE49-F238E27FC236}">
+                <a16:creationId xmlns:a16="http://schemas.microsoft.com/office/drawing/2014/main" id="{E0075D16-75D2-4936-B25E-F3836F43A29C}"/>
+              </a:ext>
+            </a:extLst>
+          </p:cNvPr>
+          <p:cNvSpPr txBox="1"/>
+          <p:nvPr/>
+        </p:nvSpPr>
+        <p:spPr>
+          <a:xfrm>
+            <a:off x="4356832" y="2450643"/>
+            <a:ext cx="379279" cy="369332"/>
+          </a:xfrm>
+          <a:prstGeom prst="rect">
+            <a:avLst/>
+          </a:prstGeom>
+          <a:noFill/>
+        </p:spPr>
+        <p:txBody>
+          <a:bodyPr wrap="square" rtlCol="0">
+            <a:spAutoFit/>
+          </a:bodyPr>
+          <a:lstStyle/>
+          <a:p>
+            <a:pPr algn="ctr"/>
+            <a:r>
+              <a:rPr lang="en-US" dirty="0"/>
+              <a:t>D</a:t>
+            </a:r>
+          </a:p>
+        </p:txBody>
+      </p:sp>
+      <p:cxnSp>
+        <p:nvCxnSpPr>
+          <p:cNvPr id="17" name="Straight Arrow Connector 16">
+            <a:extLst>
+              <a:ext uri="{FF2B5EF4-FFF2-40B4-BE49-F238E27FC236}">
+                <a16:creationId xmlns:a16="http://schemas.microsoft.com/office/drawing/2014/main" id="{975AC438-9907-4FE1-9E87-4E03A4444706}"/>
+              </a:ext>
+            </a:extLst>
+          </p:cNvPr>
+          <p:cNvCxnSpPr>
+            <a:cxnSpLocks/>
+          </p:cNvCxnSpPr>
+          <p:nvPr/>
+        </p:nvCxnSpPr>
+        <p:spPr>
+          <a:xfrm>
+            <a:off x="4648741" y="2642082"/>
+            <a:ext cx="609059" cy="0"/>
+          </a:xfrm>
+          <a:prstGeom prst="straightConnector1">
+            <a:avLst/>
+          </a:prstGeom>
+          <a:ln w="28575">
+            <a:solidFill>
+              <a:schemeClr val="tx1"/>
+            </a:solidFill>
+            <a:tailEnd type="triangle"/>
+          </a:ln>
+          <a:effectLst>
+            <a:glow rad="38100">
+              <a:schemeClr val="bg1"/>
+            </a:glow>
+          </a:effectLst>
+        </p:spPr>
+        <p:style>
+          <a:lnRef idx="1">
+            <a:schemeClr val="accent1"/>
+          </a:lnRef>
+          <a:fillRef idx="0">
+            <a:schemeClr val="accent1"/>
+          </a:fillRef>
+          <a:effectRef idx="0">
+            <a:schemeClr val="accent1"/>
+          </a:effectRef>
+          <a:fontRef idx="minor">
+            <a:schemeClr val="tx1"/>
+          </a:fontRef>
+        </p:style>
+      </p:cxnSp>
+      <p:sp>
+        <p:nvSpPr>
+          <p:cNvPr id="19" name="TextBox 18">
+            <a:extLst>
+              <a:ext uri="{FF2B5EF4-FFF2-40B4-BE49-F238E27FC236}">
+                <a16:creationId xmlns:a16="http://schemas.microsoft.com/office/drawing/2014/main" id="{8EC2A46A-D70E-4536-BE3B-7F73F7758879}"/>
+              </a:ext>
+            </a:extLst>
+          </p:cNvPr>
+          <p:cNvSpPr txBox="1"/>
+          <p:nvPr/>
+        </p:nvSpPr>
+        <p:spPr>
+          <a:xfrm>
+            <a:off x="4356832" y="2946882"/>
+            <a:ext cx="379279" cy="369332"/>
+          </a:xfrm>
+          <a:prstGeom prst="rect">
+            <a:avLst/>
+          </a:prstGeom>
+          <a:noFill/>
+        </p:spPr>
+        <p:txBody>
+          <a:bodyPr wrap="square" rtlCol="0">
+            <a:spAutoFit/>
+          </a:bodyPr>
+          <a:lstStyle/>
+          <a:p>
+            <a:pPr algn="ctr"/>
+            <a:r>
+              <a:rPr lang="en-US" dirty="0"/>
+              <a:t>E</a:t>
+            </a:r>
+          </a:p>
+        </p:txBody>
+      </p:sp>
+      <p:cxnSp>
+        <p:nvCxnSpPr>
+          <p:cNvPr id="20" name="Straight Arrow Connector 19">
+            <a:extLst>
+              <a:ext uri="{FF2B5EF4-FFF2-40B4-BE49-F238E27FC236}">
+                <a16:creationId xmlns:a16="http://schemas.microsoft.com/office/drawing/2014/main" id="{7D3610FF-8889-4AB4-B5A5-02264935B077}"/>
+              </a:ext>
+            </a:extLst>
+          </p:cNvPr>
+          <p:cNvCxnSpPr>
+            <a:cxnSpLocks/>
+          </p:cNvCxnSpPr>
+          <p:nvPr/>
+        </p:nvCxnSpPr>
+        <p:spPr>
+          <a:xfrm flipV="1">
+            <a:off x="4648741" y="3131548"/>
+            <a:ext cx="522444" cy="6774"/>
+          </a:xfrm>
+          <a:prstGeom prst="straightConnector1">
+            <a:avLst/>
+          </a:prstGeom>
+          <a:ln w="28575">
+            <a:solidFill>
+              <a:schemeClr val="tx1"/>
+            </a:solidFill>
+            <a:tailEnd type="triangle"/>
+          </a:ln>
+          <a:effectLst>
+            <a:glow rad="38100">
+              <a:schemeClr val="bg1"/>
+            </a:glow>
+          </a:effectLst>
+        </p:spPr>
+        <p:style>
+          <a:lnRef idx="1">
+            <a:schemeClr val="accent1"/>
+          </a:lnRef>
+          <a:fillRef idx="0">
+            <a:schemeClr val="accent1"/>
+          </a:fillRef>
+          <a:effectRef idx="0">
+            <a:schemeClr val="accent1"/>
+          </a:effectRef>
+          <a:fontRef idx="minor">
+            <a:schemeClr val="tx1"/>
+          </a:fontRef>
+        </p:style>
+      </p:cxnSp>
+      <p:sp>
+        <p:nvSpPr>
+          <p:cNvPr id="23" name="TextBox 22">
+            <a:extLst>
+              <a:ext uri="{FF2B5EF4-FFF2-40B4-BE49-F238E27FC236}">
+                <a16:creationId xmlns:a16="http://schemas.microsoft.com/office/drawing/2014/main" id="{3AD4A231-C3B2-4950-8E7C-F3B7A3DC9AFE}"/>
+              </a:ext>
+            </a:extLst>
+          </p:cNvPr>
+          <p:cNvSpPr txBox="1"/>
+          <p:nvPr/>
+        </p:nvSpPr>
+        <p:spPr>
+          <a:xfrm>
+            <a:off x="4385407" y="1479093"/>
+            <a:ext cx="379279" cy="369332"/>
+          </a:xfrm>
+          <a:prstGeom prst="rect">
+            <a:avLst/>
+          </a:prstGeom>
+          <a:noFill/>
+        </p:spPr>
+        <p:txBody>
+          <a:bodyPr wrap="square" rtlCol="0">
+            <a:spAutoFit/>
+          </a:bodyPr>
+          <a:lstStyle/>
+          <a:p>
+            <a:pPr algn="ctr"/>
+            <a:r>
+              <a:rPr lang="en-US" dirty="0"/>
+              <a:t>C</a:t>
+            </a:r>
+          </a:p>
+        </p:txBody>
+      </p:sp>
+      <p:cxnSp>
+        <p:nvCxnSpPr>
+          <p:cNvPr id="24" name="Straight Arrow Connector 23">
+            <a:extLst>
+              <a:ext uri="{FF2B5EF4-FFF2-40B4-BE49-F238E27FC236}">
+                <a16:creationId xmlns:a16="http://schemas.microsoft.com/office/drawing/2014/main" id="{506081A1-E3E3-4EE1-862A-445AFE1F8D70}"/>
+              </a:ext>
+            </a:extLst>
+          </p:cNvPr>
+          <p:cNvCxnSpPr>
+            <a:cxnSpLocks/>
+          </p:cNvCxnSpPr>
+          <p:nvPr/>
+        </p:nvCxnSpPr>
+        <p:spPr>
+          <a:xfrm flipV="1">
+            <a:off x="4677316" y="971550"/>
+            <a:ext cx="1313909" cy="698982"/>
+          </a:xfrm>
+          <a:prstGeom prst="straightConnector1">
+            <a:avLst/>
+          </a:prstGeom>
+          <a:ln w="28575">
+            <a:solidFill>
+              <a:schemeClr val="tx1"/>
+            </a:solidFill>
+            <a:tailEnd type="triangle"/>
+          </a:ln>
+          <a:effectLst>
+            <a:glow rad="38100">
+              <a:schemeClr val="bg1"/>
+            </a:glow>
+          </a:effectLst>
+        </p:spPr>
+        <p:style>
+          <a:lnRef idx="1">
+            <a:schemeClr val="accent1"/>
+          </a:lnRef>
+          <a:fillRef idx="0">
+            <a:schemeClr val="accent1"/>
+          </a:fillRef>
+          <a:effectRef idx="0">
+            <a:schemeClr val="accent1"/>
+          </a:effectRef>
+          <a:fontRef idx="minor">
+            <a:schemeClr val="tx1"/>
+          </a:fontRef>
+        </p:style>
+      </p:cxnSp>
+      <p:sp>
+        <p:nvSpPr>
+          <p:cNvPr id="26" name="TextBox 25">
+            <a:extLst>
+              <a:ext uri="{FF2B5EF4-FFF2-40B4-BE49-F238E27FC236}">
+                <a16:creationId xmlns:a16="http://schemas.microsoft.com/office/drawing/2014/main" id="{698A9756-5900-4CF1-A658-7135DA692EDE}"/>
+              </a:ext>
+            </a:extLst>
+          </p:cNvPr>
+          <p:cNvSpPr txBox="1"/>
+          <p:nvPr/>
+        </p:nvSpPr>
+        <p:spPr>
+          <a:xfrm>
+            <a:off x="7164774" y="693784"/>
+            <a:ext cx="379279" cy="369332"/>
+          </a:xfrm>
+          <a:prstGeom prst="rect">
+            <a:avLst/>
+          </a:prstGeom>
+          <a:noFill/>
+        </p:spPr>
+        <p:txBody>
+          <a:bodyPr wrap="square" rtlCol="0">
+            <a:spAutoFit/>
+          </a:bodyPr>
+          <a:lstStyle/>
+          <a:p>
+            <a:pPr algn="ctr"/>
+            <a:r>
+              <a:rPr lang="en-US" dirty="0"/>
+              <a:t>F</a:t>
+            </a:r>
+          </a:p>
+        </p:txBody>
+      </p:sp>
+      <p:cxnSp>
+        <p:nvCxnSpPr>
+          <p:cNvPr id="27" name="Straight Arrow Connector 26">
+            <a:extLst>
+              <a:ext uri="{FF2B5EF4-FFF2-40B4-BE49-F238E27FC236}">
+                <a16:creationId xmlns:a16="http://schemas.microsoft.com/office/drawing/2014/main" id="{42D0CDD8-E5A3-4156-B34B-8BFEA4A8EE81}"/>
+              </a:ext>
+            </a:extLst>
+          </p:cNvPr>
+          <p:cNvCxnSpPr>
+            <a:cxnSpLocks/>
+          </p:cNvCxnSpPr>
+          <p:nvPr/>
+        </p:nvCxnSpPr>
+        <p:spPr>
+          <a:xfrm flipH="1">
+            <a:off x="6905625" y="878450"/>
+            <a:ext cx="327821" cy="0"/>
+          </a:xfrm>
+          <a:prstGeom prst="straightConnector1">
+            <a:avLst/>
+          </a:prstGeom>
+          <a:ln w="28575">
+            <a:solidFill>
+              <a:schemeClr val="tx1"/>
+            </a:solidFill>
+            <a:tailEnd type="triangle"/>
+          </a:ln>
+          <a:effectLst>
+            <a:glow rad="38100">
+              <a:schemeClr val="bg1"/>
+            </a:glow>
+          </a:effectLst>
+        </p:spPr>
+        <p:style>
+          <a:lnRef idx="1">
+            <a:schemeClr val="accent1"/>
+          </a:lnRef>
+          <a:fillRef idx="0">
+            <a:schemeClr val="accent1"/>
+          </a:fillRef>
+          <a:effectRef idx="0">
+            <a:schemeClr val="accent1"/>
+          </a:effectRef>
+          <a:fontRef idx="minor">
+            <a:schemeClr val="tx1"/>
+          </a:fontRef>
+        </p:style>
+      </p:cxnSp>
+      <p:pic>
+        <p:nvPicPr>
+          <p:cNvPr id="31" name="Picture 30">
+            <a:extLst>
+              <a:ext uri="{FF2B5EF4-FFF2-40B4-BE49-F238E27FC236}">
+                <a16:creationId xmlns:a16="http://schemas.microsoft.com/office/drawing/2014/main" id="{291E8C5F-9C28-4C39-A4D2-A41F6AAF9476}"/>
+              </a:ext>
+            </a:extLst>
+          </p:cNvPr>
+          <p:cNvPicPr>
+            <a:picLocks noChangeAspect="1"/>
+          </p:cNvPicPr>
+          <p:nvPr/>
+        </p:nvPicPr>
+        <p:blipFill>
+          <a:blip r:embed="rId7"/>
+          <a:stretch>
+            <a:fillRect/>
+          </a:stretch>
+        </p:blipFill>
+        <p:spPr>
+          <a:xfrm>
+            <a:off x="7746951" y="3895912"/>
+            <a:ext cx="1615408" cy="1548099"/>
+          </a:xfrm>
+          <a:prstGeom prst="rect">
+            <a:avLst/>
+          </a:prstGeom>
+        </p:spPr>
+      </p:pic>
+      <p:sp>
+        <p:nvSpPr>
+          <p:cNvPr id="32" name="TextBox 31">
+            <a:extLst>
+              <a:ext uri="{FF2B5EF4-FFF2-40B4-BE49-F238E27FC236}">
+                <a16:creationId xmlns:a16="http://schemas.microsoft.com/office/drawing/2014/main" id="{25F2CEBD-7E7B-4F2E-A916-86D46CACC9BF}"/>
+              </a:ext>
+            </a:extLst>
+          </p:cNvPr>
+          <p:cNvSpPr txBox="1"/>
+          <p:nvPr/>
+        </p:nvSpPr>
+        <p:spPr>
+          <a:xfrm>
+            <a:off x="7164774" y="4488993"/>
+            <a:ext cx="379279" cy="369332"/>
+          </a:xfrm>
+          <a:prstGeom prst="rect">
+            <a:avLst/>
+          </a:prstGeom>
+          <a:noFill/>
+        </p:spPr>
+        <p:txBody>
+          <a:bodyPr wrap="square" rtlCol="0">
+            <a:spAutoFit/>
+          </a:bodyPr>
+          <a:lstStyle/>
+          <a:p>
+            <a:pPr algn="ctr"/>
+            <a:r>
+              <a:rPr lang="en-US" dirty="0"/>
+              <a:t>F</a:t>
+            </a:r>
+          </a:p>
+        </p:txBody>
+      </p:sp>
+      <p:cxnSp>
+        <p:nvCxnSpPr>
+          <p:cNvPr id="33" name="Straight Arrow Connector 32">
+            <a:extLst>
+              <a:ext uri="{FF2B5EF4-FFF2-40B4-BE49-F238E27FC236}">
+                <a16:creationId xmlns:a16="http://schemas.microsoft.com/office/drawing/2014/main" id="{B22C71EF-22A9-4B28-A209-3DF985599A09}"/>
+              </a:ext>
+            </a:extLst>
+          </p:cNvPr>
+          <p:cNvCxnSpPr>
+            <a:cxnSpLocks/>
+            <a:stCxn id="32" idx="3"/>
+          </p:cNvCxnSpPr>
+          <p:nvPr/>
+        </p:nvCxnSpPr>
+        <p:spPr>
+          <a:xfrm flipV="1">
+            <a:off x="7544053" y="4669963"/>
+            <a:ext cx="259731" cy="3696"/>
+          </a:xfrm>
+          <a:prstGeom prst="straightConnector1">
+            <a:avLst/>
+          </a:prstGeom>
+          <a:ln w="28575">
+            <a:solidFill>
+              <a:schemeClr val="tx1"/>
+            </a:solidFill>
+            <a:tailEnd type="triangle"/>
+          </a:ln>
+          <a:effectLst>
+            <a:glow rad="38100">
+              <a:schemeClr val="bg1"/>
+            </a:glow>
+          </a:effectLst>
+        </p:spPr>
+        <p:style>
+          <a:lnRef idx="1">
+            <a:schemeClr val="accent1"/>
+          </a:lnRef>
+          <a:fillRef idx="0">
+            <a:schemeClr val="accent1"/>
+          </a:fillRef>
+          <a:effectRef idx="0">
+            <a:schemeClr val="accent1"/>
+          </a:effectRef>
+          <a:fontRef idx="minor">
+            <a:schemeClr val="tx1"/>
+          </a:fontRef>
+        </p:style>
+      </p:cxnSp>
+      <p:sp>
+        <p:nvSpPr>
+          <p:cNvPr id="34" name="TextBox 33">
+            <a:extLst>
+              <a:ext uri="{FF2B5EF4-FFF2-40B4-BE49-F238E27FC236}">
+                <a16:creationId xmlns:a16="http://schemas.microsoft.com/office/drawing/2014/main" id="{BAC10C40-DC14-4E6B-9A8D-7088D3E03A4B}"/>
+              </a:ext>
+            </a:extLst>
+          </p:cNvPr>
+          <p:cNvSpPr txBox="1"/>
+          <p:nvPr/>
+        </p:nvSpPr>
+        <p:spPr>
+          <a:xfrm>
+            <a:off x="7164774" y="4946193"/>
+            <a:ext cx="379279" cy="369332"/>
+          </a:xfrm>
+          <a:prstGeom prst="rect">
+            <a:avLst/>
+          </a:prstGeom>
+          <a:noFill/>
+        </p:spPr>
+        <p:txBody>
+          <a:bodyPr wrap="square" rtlCol="0">
+            <a:spAutoFit/>
+          </a:bodyPr>
+          <a:lstStyle/>
+          <a:p>
+            <a:pPr algn="ctr"/>
+            <a:r>
+              <a:rPr lang="en-US" dirty="0"/>
+              <a:t>D</a:t>
+            </a:r>
+          </a:p>
+        </p:txBody>
+      </p:sp>
+      <p:cxnSp>
+        <p:nvCxnSpPr>
+          <p:cNvPr id="35" name="Straight Arrow Connector 34">
+            <a:extLst>
+              <a:ext uri="{FF2B5EF4-FFF2-40B4-BE49-F238E27FC236}">
+                <a16:creationId xmlns:a16="http://schemas.microsoft.com/office/drawing/2014/main" id="{C133BAF1-B944-4CAD-9C8E-5E5F9213EB0F}"/>
+              </a:ext>
+            </a:extLst>
+          </p:cNvPr>
+          <p:cNvCxnSpPr>
+            <a:cxnSpLocks/>
+            <a:stCxn id="34" idx="3"/>
+          </p:cNvCxnSpPr>
+          <p:nvPr/>
+        </p:nvCxnSpPr>
+        <p:spPr>
+          <a:xfrm flipV="1">
+            <a:off x="7544053" y="4946195"/>
+            <a:ext cx="733172" cy="184664"/>
+          </a:xfrm>
+          <a:prstGeom prst="straightConnector1">
+            <a:avLst/>
+          </a:prstGeom>
+          <a:ln w="28575">
+            <a:solidFill>
+              <a:schemeClr val="tx1"/>
+            </a:solidFill>
+            <a:tailEnd type="triangle"/>
+          </a:ln>
+          <a:effectLst>
+            <a:glow rad="38100">
+              <a:schemeClr val="bg1"/>
+            </a:glow>
+          </a:effectLst>
+        </p:spPr>
+        <p:style>
+          <a:lnRef idx="1">
+            <a:schemeClr val="accent1"/>
+          </a:lnRef>
+          <a:fillRef idx="0">
+            <a:schemeClr val="accent1"/>
+          </a:fillRef>
+          <a:effectRef idx="0">
+            <a:schemeClr val="accent1"/>
+          </a:effectRef>
+          <a:fontRef idx="minor">
+            <a:schemeClr val="tx1"/>
+          </a:fontRef>
+        </p:style>
+      </p:cxnSp>
+      <p:cxnSp>
+        <p:nvCxnSpPr>
+          <p:cNvPr id="37" name="Straight Arrow Connector 36">
+            <a:extLst>
+              <a:ext uri="{FF2B5EF4-FFF2-40B4-BE49-F238E27FC236}">
+                <a16:creationId xmlns:a16="http://schemas.microsoft.com/office/drawing/2014/main" id="{376E03AE-B569-44BD-A7E0-3DA8FDD353A3}"/>
+              </a:ext>
+            </a:extLst>
+          </p:cNvPr>
+          <p:cNvCxnSpPr>
+            <a:cxnSpLocks/>
+            <a:stCxn id="34" idx="1"/>
+          </p:cNvCxnSpPr>
+          <p:nvPr/>
+        </p:nvCxnSpPr>
+        <p:spPr>
+          <a:xfrm flipH="1">
+            <a:off x="6755048" y="5130859"/>
+            <a:ext cx="409726" cy="1097672"/>
+          </a:xfrm>
+          <a:prstGeom prst="straightConnector1">
+            <a:avLst/>
+          </a:prstGeom>
+          <a:ln w="28575">
+            <a:solidFill>
+              <a:schemeClr val="tx1"/>
+            </a:solidFill>
+            <a:tailEnd type="triangle"/>
+          </a:ln>
+          <a:effectLst>
+            <a:glow rad="38100">
+              <a:schemeClr val="bg1"/>
+            </a:glow>
+          </a:effectLst>
+        </p:spPr>
+        <p:style>
+          <a:lnRef idx="1">
+            <a:schemeClr val="accent1"/>
+          </a:lnRef>
+          <a:fillRef idx="0">
+            <a:schemeClr val="accent1"/>
+          </a:fillRef>
+          <a:effectRef idx="0">
+            <a:schemeClr val="accent1"/>
+          </a:effectRef>
+          <a:fontRef idx="minor">
+            <a:schemeClr val="tx1"/>
+          </a:fontRef>
+        </p:style>
+      </p:cxnSp>
+      <p:sp>
+        <p:nvSpPr>
+          <p:cNvPr id="40" name="TextBox 39">
+            <a:extLst>
+              <a:ext uri="{FF2B5EF4-FFF2-40B4-BE49-F238E27FC236}">
+                <a16:creationId xmlns:a16="http://schemas.microsoft.com/office/drawing/2014/main" id="{089B26D6-FA84-4CDA-AF87-9F5CFF3C28A6}"/>
+              </a:ext>
+            </a:extLst>
+          </p:cNvPr>
+          <p:cNvSpPr txBox="1"/>
+          <p:nvPr/>
+        </p:nvSpPr>
+        <p:spPr>
+          <a:xfrm>
+            <a:off x="7164774" y="1173143"/>
+            <a:ext cx="379279" cy="369332"/>
+          </a:xfrm>
+          <a:prstGeom prst="rect">
+            <a:avLst/>
+          </a:prstGeom>
+          <a:noFill/>
+        </p:spPr>
+        <p:txBody>
+          <a:bodyPr wrap="square" rtlCol="0">
+            <a:spAutoFit/>
+          </a:bodyPr>
+          <a:lstStyle/>
+          <a:p>
+            <a:pPr algn="ctr"/>
+            <a:r>
+              <a:rPr lang="en-US" dirty="0"/>
+              <a:t>G</a:t>
+            </a:r>
+          </a:p>
+        </p:txBody>
+      </p:sp>
+      <p:cxnSp>
+        <p:nvCxnSpPr>
+          <p:cNvPr id="41" name="Straight Arrow Connector 40">
+            <a:extLst>
+              <a:ext uri="{FF2B5EF4-FFF2-40B4-BE49-F238E27FC236}">
+                <a16:creationId xmlns:a16="http://schemas.microsoft.com/office/drawing/2014/main" id="{EB2DDA81-F507-43A7-B11D-9B8C976A9AA6}"/>
+              </a:ext>
+            </a:extLst>
+          </p:cNvPr>
+          <p:cNvCxnSpPr>
+            <a:cxnSpLocks/>
+            <a:stCxn id="40" idx="3"/>
+          </p:cNvCxnSpPr>
+          <p:nvPr/>
+        </p:nvCxnSpPr>
+        <p:spPr>
+          <a:xfrm flipV="1">
+            <a:off x="7544053" y="1173143"/>
+            <a:ext cx="410974" cy="184666"/>
+          </a:xfrm>
+          <a:prstGeom prst="straightConnector1">
+            <a:avLst/>
+          </a:prstGeom>
+          <a:ln w="28575">
+            <a:solidFill>
+              <a:schemeClr val="tx1"/>
+            </a:solidFill>
+            <a:tailEnd type="triangle"/>
+          </a:ln>
+          <a:effectLst>
+            <a:glow rad="38100">
+              <a:schemeClr val="bg1"/>
+            </a:glow>
+          </a:effectLst>
+        </p:spPr>
+        <p:style>
+          <a:lnRef idx="1">
+            <a:schemeClr val="accent1"/>
+          </a:lnRef>
+          <a:fillRef idx="0">
+            <a:schemeClr val="accent1"/>
+          </a:fillRef>
+          <a:effectRef idx="0">
+            <a:schemeClr val="accent1"/>
+          </a:effectRef>
+          <a:fontRef idx="minor">
+            <a:schemeClr val="tx1"/>
+          </a:fontRef>
+        </p:style>
+      </p:cxnSp>
+      <p:sp>
+        <p:nvSpPr>
+          <p:cNvPr id="44" name="TextBox 43">
+            <a:extLst>
+              <a:ext uri="{FF2B5EF4-FFF2-40B4-BE49-F238E27FC236}">
+                <a16:creationId xmlns:a16="http://schemas.microsoft.com/office/drawing/2014/main" id="{00944891-18A6-4A41-9385-5EBE63C8EC7A}"/>
+              </a:ext>
+            </a:extLst>
+          </p:cNvPr>
+          <p:cNvSpPr txBox="1"/>
+          <p:nvPr/>
+        </p:nvSpPr>
+        <p:spPr>
+          <a:xfrm>
+            <a:off x="7164774" y="2591388"/>
+            <a:ext cx="379279" cy="369332"/>
+          </a:xfrm>
+          <a:prstGeom prst="rect">
+            <a:avLst/>
+          </a:prstGeom>
+          <a:noFill/>
+        </p:spPr>
+        <p:txBody>
+          <a:bodyPr wrap="square" rtlCol="0">
+            <a:spAutoFit/>
+          </a:bodyPr>
+          <a:lstStyle/>
+          <a:p>
+            <a:pPr algn="ctr"/>
+            <a:r>
+              <a:rPr lang="en-US" dirty="0"/>
+              <a:t>F</a:t>
+            </a:r>
+          </a:p>
+        </p:txBody>
+      </p:sp>
+      <p:cxnSp>
+        <p:nvCxnSpPr>
+          <p:cNvPr id="45" name="Straight Arrow Connector 44">
+            <a:extLst>
+              <a:ext uri="{FF2B5EF4-FFF2-40B4-BE49-F238E27FC236}">
+                <a16:creationId xmlns:a16="http://schemas.microsoft.com/office/drawing/2014/main" id="{0A7A92DE-DE00-4756-BA75-D7D5BBD04BB0}"/>
+              </a:ext>
+            </a:extLst>
+          </p:cNvPr>
+          <p:cNvCxnSpPr>
+            <a:cxnSpLocks/>
+            <a:stCxn id="44" idx="3"/>
+          </p:cNvCxnSpPr>
+          <p:nvPr/>
+        </p:nvCxnSpPr>
+        <p:spPr>
+          <a:xfrm>
+            <a:off x="7544053" y="2776054"/>
+            <a:ext cx="442964" cy="6773"/>
+          </a:xfrm>
+          <a:prstGeom prst="straightConnector1">
+            <a:avLst/>
+          </a:prstGeom>
+          <a:ln w="28575">
+            <a:solidFill>
+              <a:schemeClr val="tx1"/>
+            </a:solidFill>
+            <a:tailEnd type="triangle"/>
+          </a:ln>
+          <a:effectLst>
+            <a:glow rad="38100">
+              <a:schemeClr val="bg1"/>
+            </a:glow>
+          </a:effectLst>
+        </p:spPr>
+        <p:style>
+          <a:lnRef idx="1">
+            <a:schemeClr val="accent1"/>
+          </a:lnRef>
+          <a:fillRef idx="0">
+            <a:schemeClr val="accent1"/>
+          </a:fillRef>
+          <a:effectRef idx="0">
+            <a:schemeClr val="accent1"/>
+          </a:effectRef>
+          <a:fontRef idx="minor">
+            <a:schemeClr val="tx1"/>
+          </a:fontRef>
+        </p:style>
+      </p:cxnSp>
     </p:spTree>
     <p:extLst>
       <p:ext uri="{BB962C8B-B14F-4D97-AF65-F5344CB8AC3E}">
-        <p14:creationId xmlns:p14="http://schemas.microsoft.com/office/powerpoint/2010/main" val="161018379"/>
+        <p14:creationId xmlns:p14="http://schemas.microsoft.com/office/powerpoint/2010/main" val="524096363"/>
       </p:ext>
     </p:extLst>
   </p:cSld>

--- a/Technical_Report/Tech Report Figures.pptx
+++ b/Technical_Report/Tech Report Figures.pptx
@@ -200,7 +200,7 @@
           <a:p>
             <a:fld id="{9CDAC4D7-AC2B-4B96-A23C-9757BCC47876}" type="datetimeFigureOut">
               <a:rPr lang="en-US" smtClean="0"/>
-              <a:t>2/14/2024</a:t>
+              <a:t>2/16/2024</a:t>
             </a:fld>
             <a:endParaRPr lang="en-US"/>
           </a:p>
@@ -614,7 +614,7 @@
           <a:p>
             <a:fld id="{D8191CED-6AB1-44FE-A838-8EDD6EE5B6A0}" type="datetimeFigureOut">
               <a:rPr lang="en-US" smtClean="0"/>
-              <a:t>2/14/2024</a:t>
+              <a:t>2/16/2024</a:t>
             </a:fld>
             <a:endParaRPr lang="en-US"/>
           </a:p>
@@ -812,7 +812,7 @@
           <a:p>
             <a:fld id="{D8191CED-6AB1-44FE-A838-8EDD6EE5B6A0}" type="datetimeFigureOut">
               <a:rPr lang="en-US" smtClean="0"/>
-              <a:t>2/14/2024</a:t>
+              <a:t>2/16/2024</a:t>
             </a:fld>
             <a:endParaRPr lang="en-US"/>
           </a:p>
@@ -1020,7 +1020,7 @@
           <a:p>
             <a:fld id="{D8191CED-6AB1-44FE-A838-8EDD6EE5B6A0}" type="datetimeFigureOut">
               <a:rPr lang="en-US" smtClean="0"/>
-              <a:t>2/14/2024</a:t>
+              <a:t>2/16/2024</a:t>
             </a:fld>
             <a:endParaRPr lang="en-US"/>
           </a:p>
@@ -1218,7 +1218,7 @@
           <a:p>
             <a:fld id="{D8191CED-6AB1-44FE-A838-8EDD6EE5B6A0}" type="datetimeFigureOut">
               <a:rPr lang="en-US" smtClean="0"/>
-              <a:t>2/14/2024</a:t>
+              <a:t>2/16/2024</a:t>
             </a:fld>
             <a:endParaRPr lang="en-US"/>
           </a:p>
@@ -1493,7 +1493,7 @@
           <a:p>
             <a:fld id="{D8191CED-6AB1-44FE-A838-8EDD6EE5B6A0}" type="datetimeFigureOut">
               <a:rPr lang="en-US" smtClean="0"/>
-              <a:t>2/14/2024</a:t>
+              <a:t>2/16/2024</a:t>
             </a:fld>
             <a:endParaRPr lang="en-US"/>
           </a:p>
@@ -1758,7 +1758,7 @@
           <a:p>
             <a:fld id="{D8191CED-6AB1-44FE-A838-8EDD6EE5B6A0}" type="datetimeFigureOut">
               <a:rPr lang="en-US" smtClean="0"/>
-              <a:t>2/14/2024</a:t>
+              <a:t>2/16/2024</a:t>
             </a:fld>
             <a:endParaRPr lang="en-US"/>
           </a:p>
@@ -2170,7 +2170,7 @@
           <a:p>
             <a:fld id="{D8191CED-6AB1-44FE-A838-8EDD6EE5B6A0}" type="datetimeFigureOut">
               <a:rPr lang="en-US" smtClean="0"/>
-              <a:t>2/14/2024</a:t>
+              <a:t>2/16/2024</a:t>
             </a:fld>
             <a:endParaRPr lang="en-US"/>
           </a:p>
@@ -2311,7 +2311,7 @@
           <a:p>
             <a:fld id="{D8191CED-6AB1-44FE-A838-8EDD6EE5B6A0}" type="datetimeFigureOut">
               <a:rPr lang="en-US" smtClean="0"/>
-              <a:t>2/14/2024</a:t>
+              <a:t>2/16/2024</a:t>
             </a:fld>
             <a:endParaRPr lang="en-US"/>
           </a:p>
@@ -2424,7 +2424,7 @@
           <a:p>
             <a:fld id="{D8191CED-6AB1-44FE-A838-8EDD6EE5B6A0}" type="datetimeFigureOut">
               <a:rPr lang="en-US" smtClean="0"/>
-              <a:t>2/14/2024</a:t>
+              <a:t>2/16/2024</a:t>
             </a:fld>
             <a:endParaRPr lang="en-US"/>
           </a:p>
@@ -2735,7 +2735,7 @@
           <a:p>
             <a:fld id="{D8191CED-6AB1-44FE-A838-8EDD6EE5B6A0}" type="datetimeFigureOut">
               <a:rPr lang="en-US" smtClean="0"/>
-              <a:t>2/14/2024</a:t>
+              <a:t>2/16/2024</a:t>
             </a:fld>
             <a:endParaRPr lang="en-US"/>
           </a:p>
@@ -3023,7 +3023,7 @@
           <a:p>
             <a:fld id="{D8191CED-6AB1-44FE-A838-8EDD6EE5B6A0}" type="datetimeFigureOut">
               <a:rPr lang="en-US" smtClean="0"/>
-              <a:t>2/14/2024</a:t>
+              <a:t>2/16/2024</a:t>
             </a:fld>
             <a:endParaRPr lang="en-US"/>
           </a:p>
@@ -3264,7 +3264,7 @@
           <a:p>
             <a:fld id="{D8191CED-6AB1-44FE-A838-8EDD6EE5B6A0}" type="datetimeFigureOut">
               <a:rPr lang="en-US" smtClean="0"/>
-              <a:t>2/14/2024</a:t>
+              <a:t>2/16/2024</a:t>
             </a:fld>
             <a:endParaRPr lang="en-US"/>
           </a:p>
@@ -4107,7 +4107,7 @@
         <p:spPr>
           <a:xfrm>
             <a:off x="6536787" y="385785"/>
-            <a:ext cx="317716" cy="369332"/>
+            <a:ext cx="301686" cy="369332"/>
           </a:xfrm>
           <a:prstGeom prst="rect">
             <a:avLst/>
@@ -4122,7 +4122,7 @@
           <a:p>
             <a:r>
               <a:rPr lang="en-US" dirty="0"/>
-              <a:t>A</a:t>
+              <a:t>1</a:t>
             </a:r>
           </a:p>
         </p:txBody>
@@ -4319,7 +4319,7 @@
         <p:spPr>
           <a:xfrm>
             <a:off x="6452364" y="3180718"/>
-            <a:ext cx="317716" cy="369332"/>
+            <a:ext cx="301686" cy="369332"/>
           </a:xfrm>
           <a:prstGeom prst="rect">
             <a:avLst/>
@@ -4334,7 +4334,7 @@
           <a:p>
             <a:r>
               <a:rPr lang="en-US" dirty="0"/>
-              <a:t>B</a:t>
+              <a:t>2</a:t>
             </a:r>
           </a:p>
         </p:txBody>
@@ -4369,7 +4369,7 @@
           <a:p>
             <a:r>
               <a:rPr lang="en-US" dirty="0"/>
-              <a:t>C</a:t>
+              <a:t>3</a:t>
             </a:r>
           </a:p>
         </p:txBody>
@@ -4391,8 +4391,8 @@
         </p:nvCxnSpPr>
         <p:spPr>
           <a:xfrm>
-            <a:off x="6770080" y="3365384"/>
-            <a:ext cx="410896" cy="0"/>
+            <a:off x="6754050" y="3365384"/>
+            <a:ext cx="426926" cy="0"/>
           </a:xfrm>
           <a:prstGeom prst="straightConnector1">
             <a:avLst/>
@@ -4491,8 +4491,8 @@
         </p:nvCxnSpPr>
         <p:spPr>
           <a:xfrm>
-            <a:off x="6854503" y="570451"/>
-            <a:ext cx="1089871" cy="276998"/>
+            <a:off x="6838473" y="570451"/>
+            <a:ext cx="1105901" cy="276998"/>
           </a:xfrm>
           <a:prstGeom prst="straightConnector1">
             <a:avLst/>
@@ -4597,8 +4597,8 @@
         </p:nvSpPr>
         <p:spPr>
           <a:xfrm>
-            <a:off x="3481938" y="2038417"/>
-            <a:ext cx="296876" cy="369332"/>
+            <a:off x="3479533" y="2038417"/>
+            <a:ext cx="301686" cy="369332"/>
           </a:xfrm>
           <a:prstGeom prst="rect">
             <a:avLst/>
@@ -4614,7 +4614,7 @@
             <a:pPr algn="ctr"/>
             <a:r>
               <a:rPr lang="en-US" dirty="0"/>
-              <a:t>E</a:t>
+              <a:t>5</a:t>
             </a:r>
           </a:p>
         </p:txBody>
@@ -4979,8 +4979,8 @@
         </p:nvCxnSpPr>
         <p:spPr>
           <a:xfrm flipV="1">
-            <a:off x="3778814" y="1778521"/>
-            <a:ext cx="1546675" cy="444562"/>
+            <a:off x="3781219" y="1778521"/>
+            <a:ext cx="1544270" cy="444562"/>
           </a:xfrm>
           <a:prstGeom prst="straightConnector1">
             <a:avLst/>
@@ -5124,8 +5124,8 @@
         </p:nvSpPr>
         <p:spPr>
           <a:xfrm>
-            <a:off x="3471518" y="559776"/>
-            <a:ext cx="317716" cy="369332"/>
+            <a:off x="3479533" y="559776"/>
+            <a:ext cx="301685" cy="369332"/>
           </a:xfrm>
           <a:prstGeom prst="rect">
             <a:avLst/>
@@ -5141,7 +5141,7 @@
             <a:pPr algn="ctr"/>
             <a:r>
               <a:rPr lang="en-US" dirty="0"/>
-              <a:t>B</a:t>
+              <a:t>2</a:t>
             </a:r>
           </a:p>
         </p:txBody>
@@ -5160,8 +5160,8 @@
         </p:nvSpPr>
         <p:spPr>
           <a:xfrm>
-            <a:off x="3471518" y="980275"/>
-            <a:ext cx="317716" cy="369332"/>
+            <a:off x="3479533" y="980275"/>
+            <a:ext cx="301685" cy="369332"/>
           </a:xfrm>
           <a:prstGeom prst="rect">
             <a:avLst/>
@@ -5177,7 +5177,7 @@
             <a:pPr algn="ctr"/>
             <a:r>
               <a:rPr lang="en-US" dirty="0"/>
-              <a:t>C</a:t>
+              <a:t>3</a:t>
             </a:r>
           </a:p>
         </p:txBody>
@@ -5196,8 +5196,8 @@
         </p:nvSpPr>
         <p:spPr>
           <a:xfrm>
-            <a:off x="3466709" y="1400774"/>
-            <a:ext cx="327334" cy="369332"/>
+            <a:off x="3479533" y="1400774"/>
+            <a:ext cx="301686" cy="369332"/>
           </a:xfrm>
           <a:prstGeom prst="rect">
             <a:avLst/>
@@ -5213,7 +5213,7 @@
             <a:pPr algn="ctr"/>
             <a:r>
               <a:rPr lang="en-US" dirty="0"/>
-              <a:t>D</a:t>
+              <a:t>4</a:t>
             </a:r>
           </a:p>
         </p:txBody>
@@ -5232,8 +5232,8 @@
         </p:nvSpPr>
         <p:spPr>
           <a:xfrm>
-            <a:off x="3485144" y="2505314"/>
-            <a:ext cx="290464" cy="369332"/>
+            <a:off x="3479533" y="2505314"/>
+            <a:ext cx="301686" cy="369332"/>
           </a:xfrm>
           <a:prstGeom prst="rect">
             <a:avLst/>
@@ -5249,7 +5249,7 @@
             <a:pPr algn="ctr"/>
             <a:r>
               <a:rPr lang="en-US" dirty="0"/>
-              <a:t>F</a:t>
+              <a:t>6</a:t>
             </a:r>
           </a:p>
         </p:txBody>
@@ -5268,8 +5268,8 @@
         </p:nvSpPr>
         <p:spPr>
           <a:xfrm>
-            <a:off x="3465908" y="3497837"/>
-            <a:ext cx="328936" cy="369332"/>
+            <a:off x="3479533" y="3497837"/>
+            <a:ext cx="301685" cy="369332"/>
           </a:xfrm>
           <a:prstGeom prst="rect">
             <a:avLst/>
@@ -5285,7 +5285,7 @@
             <a:pPr algn="ctr"/>
             <a:r>
               <a:rPr lang="en-US" dirty="0"/>
-              <a:t>H</a:t>
+              <a:t>8</a:t>
             </a:r>
           </a:p>
         </p:txBody>
@@ -5304,8 +5304,8 @@
         </p:nvSpPr>
         <p:spPr>
           <a:xfrm>
-            <a:off x="3509189" y="3983355"/>
-            <a:ext cx="242374" cy="369332"/>
+            <a:off x="3479533" y="3983355"/>
+            <a:ext cx="301686" cy="369332"/>
           </a:xfrm>
           <a:prstGeom prst="rect">
             <a:avLst/>
@@ -5321,7 +5321,7 @@
             <a:pPr algn="ctr"/>
             <a:r>
               <a:rPr lang="en-US" dirty="0"/>
-              <a:t>I</a:t>
+              <a:t>9</a:t>
             </a:r>
           </a:p>
         </p:txBody>
@@ -5340,8 +5340,8 @@
         </p:nvSpPr>
         <p:spPr>
           <a:xfrm>
-            <a:off x="3501174" y="4963862"/>
-            <a:ext cx="258404" cy="369332"/>
+            <a:off x="3421024" y="4963862"/>
+            <a:ext cx="418704" cy="369332"/>
           </a:xfrm>
           <a:prstGeom prst="rect">
             <a:avLst/>
@@ -5357,7 +5357,7 @@
             <a:pPr algn="ctr"/>
             <a:r>
               <a:rPr lang="en-US" dirty="0"/>
-              <a:t>J</a:t>
+              <a:t>10</a:t>
             </a:r>
           </a:p>
         </p:txBody>
@@ -5376,8 +5376,8 @@
         </p:nvSpPr>
         <p:spPr>
           <a:xfrm>
-            <a:off x="3477930" y="5498235"/>
-            <a:ext cx="304892" cy="369332"/>
+            <a:off x="3421024" y="5498235"/>
+            <a:ext cx="418705" cy="369332"/>
           </a:xfrm>
           <a:prstGeom prst="rect">
             <a:avLst/>
@@ -5393,7 +5393,7 @@
             <a:pPr algn="ctr"/>
             <a:r>
               <a:rPr lang="en-US" dirty="0"/>
-              <a:t>K</a:t>
+              <a:t>11</a:t>
             </a:r>
           </a:p>
         </p:txBody>
@@ -5412,8 +5412,8 @@
         </p:nvSpPr>
         <p:spPr>
           <a:xfrm>
-            <a:off x="3489151" y="6012730"/>
-            <a:ext cx="282450" cy="369332"/>
+            <a:off x="3421024" y="6012730"/>
+            <a:ext cx="418704" cy="369332"/>
           </a:xfrm>
           <a:prstGeom prst="rect">
             <a:avLst/>
@@ -5429,7 +5429,7 @@
             <a:pPr algn="ctr"/>
             <a:r>
               <a:rPr lang="en-US" dirty="0"/>
-              <a:t>L</a:t>
+              <a:t>12</a:t>
             </a:r>
           </a:p>
         </p:txBody>
@@ -5497,8 +5497,8 @@
         </p:nvSpPr>
         <p:spPr>
           <a:xfrm>
-            <a:off x="3465106" y="2944851"/>
-            <a:ext cx="330540" cy="369332"/>
+            <a:off x="3479533" y="2944851"/>
+            <a:ext cx="301686" cy="369332"/>
           </a:xfrm>
           <a:prstGeom prst="rect">
             <a:avLst/>
@@ -5514,7 +5514,7 @@
             <a:pPr algn="ctr"/>
             <a:r>
               <a:rPr lang="en-US" dirty="0"/>
-              <a:t>G</a:t>
+              <a:t>7</a:t>
             </a:r>
           </a:p>
         </p:txBody>
@@ -5533,8 +5533,8 @@
         </p:nvSpPr>
         <p:spPr>
           <a:xfrm>
-            <a:off x="3471518" y="75879"/>
-            <a:ext cx="317716" cy="369332"/>
+            <a:off x="3479532" y="75879"/>
+            <a:ext cx="301686" cy="369332"/>
           </a:xfrm>
           <a:prstGeom prst="rect">
             <a:avLst/>
@@ -5550,7 +5550,7 @@
             <a:pPr algn="ctr"/>
             <a:r>
               <a:rPr lang="en-US" dirty="0"/>
-              <a:t>A</a:t>
+              <a:t>1</a:t>
             </a:r>
           </a:p>
         </p:txBody>
@@ -5815,7 +5815,7 @@
             <a:pPr algn="ctr"/>
             <a:r>
               <a:rPr lang="en-US" dirty="0"/>
-              <a:t>A</a:t>
+              <a:t>1</a:t>
             </a:r>
           </a:p>
         </p:txBody>
@@ -5900,7 +5900,7 @@
             <a:pPr algn="ctr"/>
             <a:r>
               <a:rPr lang="en-US" dirty="0"/>
-              <a:t>B</a:t>
+              <a:t>2</a:t>
             </a:r>
           </a:p>
         </p:txBody>
@@ -5985,7 +5985,7 @@
             <a:pPr algn="ctr"/>
             <a:r>
               <a:rPr lang="en-US" dirty="0"/>
-              <a:t>D</a:t>
+              <a:t>4</a:t>
             </a:r>
           </a:p>
         </p:txBody>
@@ -6070,7 +6070,7 @@
             <a:pPr algn="ctr"/>
             <a:r>
               <a:rPr lang="en-US" dirty="0"/>
-              <a:t>E</a:t>
+              <a:t>5</a:t>
             </a:r>
           </a:p>
         </p:txBody>
@@ -6155,7 +6155,7 @@
             <a:pPr algn="ctr"/>
             <a:r>
               <a:rPr lang="en-US" dirty="0"/>
-              <a:t>C</a:t>
+              <a:t>3</a:t>
             </a:r>
           </a:p>
         </p:txBody>
@@ -6240,7 +6240,7 @@
             <a:pPr algn="ctr"/>
             <a:r>
               <a:rPr lang="en-US" dirty="0"/>
-              <a:t>F</a:t>
+              <a:t>6</a:t>
             </a:r>
           </a:p>
         </p:txBody>
@@ -6355,7 +6355,7 @@
             <a:pPr algn="ctr"/>
             <a:r>
               <a:rPr lang="en-US" dirty="0"/>
-              <a:t>F</a:t>
+              <a:t>6</a:t>
             </a:r>
           </a:p>
         </p:txBody>
@@ -6441,7 +6441,7 @@
             <a:pPr algn="ctr"/>
             <a:r>
               <a:rPr lang="en-US" dirty="0"/>
-              <a:t>D</a:t>
+              <a:t>4</a:t>
             </a:r>
           </a:p>
         </p:txBody>
@@ -6577,7 +6577,7 @@
             <a:pPr algn="ctr"/>
             <a:r>
               <a:rPr lang="en-US" dirty="0"/>
-              <a:t>G</a:t>
+              <a:t>7</a:t>
             </a:r>
           </a:p>
         </p:txBody>
@@ -6663,7 +6663,7 @@
             <a:pPr algn="ctr"/>
             <a:r>
               <a:rPr lang="en-US" dirty="0"/>
-              <a:t>F</a:t>
+              <a:t>6</a:t>
             </a:r>
           </a:p>
         </p:txBody>
